--- a/powerpoint/1_RNAseq_workshop.pptx
+++ b/powerpoint/1_RNAseq_workshop.pptx
@@ -9,19 +9,16 @@
     <p:sldId id="347" r:id="rId3"/>
     <p:sldId id="309" r:id="rId4"/>
     <p:sldId id="331" r:id="rId5"/>
-    <p:sldId id="323" r:id="rId6"/>
-    <p:sldId id="324" r:id="rId7"/>
-    <p:sldId id="274" r:id="rId8"/>
-    <p:sldId id="325" r:id="rId9"/>
-    <p:sldId id="289" r:id="rId10"/>
-    <p:sldId id="338" r:id="rId11"/>
-    <p:sldId id="339" r:id="rId12"/>
-    <p:sldId id="307" r:id="rId13"/>
-    <p:sldId id="311" r:id="rId14"/>
-    <p:sldId id="337" r:id="rId15"/>
-    <p:sldId id="318" r:id="rId16"/>
-    <p:sldId id="269" r:id="rId17"/>
-    <p:sldId id="285" r:id="rId18"/>
+    <p:sldId id="325" r:id="rId6"/>
+    <p:sldId id="289" r:id="rId7"/>
+    <p:sldId id="338" r:id="rId8"/>
+    <p:sldId id="339" r:id="rId9"/>
+    <p:sldId id="307" r:id="rId10"/>
+    <p:sldId id="311" r:id="rId11"/>
+    <p:sldId id="337" r:id="rId12"/>
+    <p:sldId id="318" r:id="rId13"/>
+    <p:sldId id="269" r:id="rId14"/>
+    <p:sldId id="285" r:id="rId15"/>
   </p:sldIdLst>
   <p:sldSz cx="12192000" cy="6858000"/>
   <p:notesSz cx="6858000" cy="9144000"/>
@@ -277,7 +274,7 @@
           <a:p>
             <a:fld id="{DEABCE53-1D99-4BEE-AE28-D2367C4FBEC7}" type="datetimeFigureOut">
               <a:rPr lang="en-GB" smtClean="0"/>
-              <a:t>09/10/2020</a:t>
+              <a:t>13/10/2020</a:t>
             </a:fld>
             <a:endParaRPr lang="en-GB"/>
           </a:p>
@@ -477,7 +474,7 @@
           <a:p>
             <a:fld id="{DEABCE53-1D99-4BEE-AE28-D2367C4FBEC7}" type="datetimeFigureOut">
               <a:rPr lang="en-GB" smtClean="0"/>
-              <a:t>09/10/2020</a:t>
+              <a:t>13/10/2020</a:t>
             </a:fld>
             <a:endParaRPr lang="en-GB"/>
           </a:p>
@@ -687,7 +684,7 @@
           <a:p>
             <a:fld id="{DEABCE53-1D99-4BEE-AE28-D2367C4FBEC7}" type="datetimeFigureOut">
               <a:rPr lang="en-GB" smtClean="0"/>
-              <a:t>09/10/2020</a:t>
+              <a:t>13/10/2020</a:t>
             </a:fld>
             <a:endParaRPr lang="en-GB"/>
           </a:p>
@@ -887,7 +884,7 @@
           <a:p>
             <a:fld id="{DEABCE53-1D99-4BEE-AE28-D2367C4FBEC7}" type="datetimeFigureOut">
               <a:rPr lang="en-GB" smtClean="0"/>
-              <a:t>09/10/2020</a:t>
+              <a:t>13/10/2020</a:t>
             </a:fld>
             <a:endParaRPr lang="en-GB"/>
           </a:p>
@@ -1163,7 +1160,7 @@
           <a:p>
             <a:fld id="{DEABCE53-1D99-4BEE-AE28-D2367C4FBEC7}" type="datetimeFigureOut">
               <a:rPr lang="en-GB" smtClean="0"/>
-              <a:t>09/10/2020</a:t>
+              <a:t>13/10/2020</a:t>
             </a:fld>
             <a:endParaRPr lang="en-GB"/>
           </a:p>
@@ -1431,7 +1428,7 @@
           <a:p>
             <a:fld id="{DEABCE53-1D99-4BEE-AE28-D2367C4FBEC7}" type="datetimeFigureOut">
               <a:rPr lang="en-GB" smtClean="0"/>
-              <a:t>09/10/2020</a:t>
+              <a:t>13/10/2020</a:t>
             </a:fld>
             <a:endParaRPr lang="en-GB"/>
           </a:p>
@@ -1846,7 +1843,7 @@
           <a:p>
             <a:fld id="{DEABCE53-1D99-4BEE-AE28-D2367C4FBEC7}" type="datetimeFigureOut">
               <a:rPr lang="en-GB" smtClean="0"/>
-              <a:t>09/10/2020</a:t>
+              <a:t>13/10/2020</a:t>
             </a:fld>
             <a:endParaRPr lang="en-GB"/>
           </a:p>
@@ -1988,7 +1985,7 @@
           <a:p>
             <a:fld id="{DEABCE53-1D99-4BEE-AE28-D2367C4FBEC7}" type="datetimeFigureOut">
               <a:rPr lang="en-GB" smtClean="0"/>
-              <a:t>09/10/2020</a:t>
+              <a:t>13/10/2020</a:t>
             </a:fld>
             <a:endParaRPr lang="en-GB"/>
           </a:p>
@@ -2101,7 +2098,7 @@
           <a:p>
             <a:fld id="{DEABCE53-1D99-4BEE-AE28-D2367C4FBEC7}" type="datetimeFigureOut">
               <a:rPr lang="en-GB" smtClean="0"/>
-              <a:t>09/10/2020</a:t>
+              <a:t>13/10/2020</a:t>
             </a:fld>
             <a:endParaRPr lang="en-GB"/>
           </a:p>
@@ -2414,7 +2411,7 @@
           <a:p>
             <a:fld id="{DEABCE53-1D99-4BEE-AE28-D2367C4FBEC7}" type="datetimeFigureOut">
               <a:rPr lang="en-GB" smtClean="0"/>
-              <a:t>09/10/2020</a:t>
+              <a:t>13/10/2020</a:t>
             </a:fld>
             <a:endParaRPr lang="en-GB"/>
           </a:p>
@@ -2703,7 +2700,7 @@
           <a:p>
             <a:fld id="{DEABCE53-1D99-4BEE-AE28-D2367C4FBEC7}" type="datetimeFigureOut">
               <a:rPr lang="en-GB" smtClean="0"/>
-              <a:t>09/10/2020</a:t>
+              <a:t>13/10/2020</a:t>
             </a:fld>
             <a:endParaRPr lang="en-GB"/>
           </a:p>
@@ -2946,7 +2943,7 @@
           <a:p>
             <a:fld id="{DEABCE53-1D99-4BEE-AE28-D2367C4FBEC7}" type="datetimeFigureOut">
               <a:rPr lang="en-GB" smtClean="0"/>
-              <a:t>09/10/2020</a:t>
+              <a:t>13/10/2020</a:t>
             </a:fld>
             <a:endParaRPr lang="en-GB"/>
           </a:p>
@@ -3675,939 +3672,6 @@
           <p:cNvPr id="2" name="Title 1">
             <a:extLst>
               <a:ext uri="{FF2B5EF4-FFF2-40B4-BE49-F238E27FC236}">
-                <a16:creationId xmlns:a16="http://schemas.microsoft.com/office/drawing/2014/main" id="{4CF6A127-5823-48BA-A536-7CC0BA1662E1}"/>
-              </a:ext>
-            </a:extLst>
-          </p:cNvPr>
-          <p:cNvSpPr>
-            <a:spLocks noGrp="1"/>
-          </p:cNvSpPr>
-          <p:nvPr>
-            <p:ph type="title"/>
-          </p:nvPr>
-        </p:nvSpPr>
-        <p:spPr>
-          <a:xfrm>
-            <a:off x="453325" y="308673"/>
-            <a:ext cx="10515600" cy="1325563"/>
-          </a:xfrm>
-        </p:spPr>
-        <p:txBody>
-          <a:bodyPr>
-            <a:normAutofit/>
-          </a:bodyPr>
-          <a:lstStyle/>
-          <a:p>
-            <a:pPr algn="ctr"/>
-            <a:r>
-              <a:rPr lang="en-GB" dirty="0">
-                <a:solidFill>
-                  <a:srgbClr val="7030A0"/>
-                </a:solidFill>
-              </a:rPr>
-              <a:t>8) Downloading:  </a:t>
-            </a:r>
-            <a:r>
-              <a:rPr lang="en-GB" b="1" dirty="0">
-                <a:solidFill>
-                  <a:srgbClr val="7030A0"/>
-                </a:solidFill>
-              </a:rPr>
-              <a:t>transfer files </a:t>
-            </a:r>
-            <a:r>
-              <a:rPr lang="en-GB" b="1" dirty="0" err="1">
-                <a:solidFill>
-                  <a:srgbClr val="7030A0"/>
-                </a:solidFill>
-              </a:rPr>
-              <a:t>Filezilla</a:t>
-            </a:r>
-            <a:r>
-              <a:rPr lang="en-GB" b="1" dirty="0">
-                <a:solidFill>
-                  <a:srgbClr val="7030A0"/>
-                </a:solidFill>
-              </a:rPr>
-              <a:t> </a:t>
-            </a:r>
-            <a:r>
-              <a:rPr lang="en-GB" sz="3200" dirty="0">
-                <a:solidFill>
-                  <a:srgbClr val="7030A0"/>
-                </a:solidFill>
-              </a:rPr>
-              <a:t>https://filezilla-project.org/download.php</a:t>
-            </a:r>
-            <a:endParaRPr lang="en-GB" dirty="0">
-              <a:solidFill>
-                <a:srgbClr val="7030A0"/>
-              </a:solidFill>
-            </a:endParaRPr>
-          </a:p>
-        </p:txBody>
-      </p:sp>
-      <p:sp>
-        <p:nvSpPr>
-          <p:cNvPr id="3" name="Content Placeholder 2">
-            <a:extLst>
-              <a:ext uri="{FF2B5EF4-FFF2-40B4-BE49-F238E27FC236}">
-                <a16:creationId xmlns:a16="http://schemas.microsoft.com/office/drawing/2014/main" id="{8A109800-2B21-462F-B38A-D835F2CD475C}"/>
-              </a:ext>
-            </a:extLst>
-          </p:cNvPr>
-          <p:cNvSpPr>
-            <a:spLocks noGrp="1"/>
-          </p:cNvSpPr>
-          <p:nvPr>
-            <p:ph idx="1"/>
-          </p:nvPr>
-        </p:nvSpPr>
-        <p:spPr>
-          <a:xfrm>
-            <a:off x="3209117" y="1985799"/>
-            <a:ext cx="11801475" cy="4351338"/>
-          </a:xfrm>
-        </p:spPr>
-        <p:txBody>
-          <a:bodyPr>
-            <a:normAutofit/>
-          </a:bodyPr>
-          <a:lstStyle/>
-          <a:p>
-            <a:pPr marL="0" indent="0">
-              <a:buNone/>
-            </a:pPr>
-            <a:r>
-              <a:rPr lang="en-GB" b="1" dirty="0"/>
-              <a:t>Step 1. Open host </a:t>
-            </a:r>
-            <a:endParaRPr lang="en-GB" dirty="0"/>
-          </a:p>
-          <a:p>
-            <a:pPr marL="0" indent="0">
-              <a:buNone/>
-            </a:pPr>
-            <a:endParaRPr lang="en-GB" dirty="0">
-              <a:solidFill>
-                <a:srgbClr val="0070C0"/>
-              </a:solidFill>
-            </a:endParaRPr>
-          </a:p>
-        </p:txBody>
-      </p:sp>
-      <p:pic>
-        <p:nvPicPr>
-          <p:cNvPr id="1026" name="Picture 1" descr="image002">
-            <a:extLst>
-              <a:ext uri="{FF2B5EF4-FFF2-40B4-BE49-F238E27FC236}">
-                <a16:creationId xmlns:a16="http://schemas.microsoft.com/office/drawing/2014/main" id="{0E72B09C-F1CB-443A-A814-56095384A36E}"/>
-              </a:ext>
-            </a:extLst>
-          </p:cNvPr>
-          <p:cNvPicPr>
-            <a:picLocks noChangeAspect="1" noChangeArrowheads="1"/>
-          </p:cNvPicPr>
-          <p:nvPr/>
-        </p:nvPicPr>
-        <p:blipFill>
-          <a:blip r:embed="rId2">
-            <a:extLst>
-              <a:ext uri="{28A0092B-C50C-407E-A947-70E740481C1C}">
-                <a14:useLocalDpi xmlns:a14="http://schemas.microsoft.com/office/drawing/2010/main" val="0"/>
-              </a:ext>
-            </a:extLst>
-          </a:blip>
-          <a:srcRect/>
-          <a:stretch>
-            <a:fillRect/>
-          </a:stretch>
-        </p:blipFill>
-        <p:spPr bwMode="auto">
-          <a:xfrm>
-            <a:off x="2281646" y="2533032"/>
-            <a:ext cx="5216548" cy="3996938"/>
-          </a:xfrm>
-          <a:prstGeom prst="rect">
-            <a:avLst/>
-          </a:prstGeom>
-          <a:noFill/>
-          <a:ln>
-            <a:noFill/>
-          </a:ln>
-          <a:extLst>
-            <a:ext uri="{909E8E84-426E-40DD-AFC4-6F175D3DCCD1}">
-              <a14:hiddenFill xmlns:a14="http://schemas.microsoft.com/office/drawing/2010/main">
-                <a:solidFill>
-                  <a:srgbClr val="FFFFFF"/>
-                </a:solidFill>
-              </a14:hiddenFill>
-            </a:ext>
-            <a:ext uri="{91240B29-F687-4F45-9708-019B960494DF}">
-              <a14:hiddenLine xmlns:a14="http://schemas.microsoft.com/office/drawing/2010/main" w="9525">
-                <a:solidFill>
-                  <a:srgbClr val="000000"/>
-                </a:solidFill>
-                <a:miter lim="800000"/>
-                <a:headEnd/>
-                <a:tailEnd/>
-              </a14:hiddenLine>
-            </a:ext>
-          </a:extLst>
-        </p:spPr>
-      </p:pic>
-      <p:cxnSp>
-        <p:nvCxnSpPr>
-          <p:cNvPr id="5" name="Straight Arrow Connector 4">
-            <a:extLst>
-              <a:ext uri="{FF2B5EF4-FFF2-40B4-BE49-F238E27FC236}">
-                <a16:creationId xmlns:a16="http://schemas.microsoft.com/office/drawing/2014/main" id="{DF00B003-8DCF-47CF-9003-E90F9E629879}"/>
-              </a:ext>
-            </a:extLst>
-          </p:cNvPr>
-          <p:cNvCxnSpPr/>
-          <p:nvPr/>
-        </p:nvCxnSpPr>
-        <p:spPr>
-          <a:xfrm flipH="1" flipV="1">
-            <a:off x="2531242" y="4344470"/>
-            <a:ext cx="4200041" cy="627681"/>
-          </a:xfrm>
-          <a:prstGeom prst="straightConnector1">
-            <a:avLst/>
-          </a:prstGeom>
-          <a:ln>
-            <a:tailEnd type="triangle"/>
-          </a:ln>
-        </p:spPr>
-        <p:style>
-          <a:lnRef idx="3">
-            <a:schemeClr val="dk1"/>
-          </a:lnRef>
-          <a:fillRef idx="0">
-            <a:schemeClr val="dk1"/>
-          </a:fillRef>
-          <a:effectRef idx="2">
-            <a:schemeClr val="dk1"/>
-          </a:effectRef>
-          <a:fontRef idx="minor">
-            <a:schemeClr val="tx1"/>
-          </a:fontRef>
-        </p:style>
-      </p:cxnSp>
-    </p:spTree>
-    <p:extLst>
-      <p:ext uri="{BB962C8B-B14F-4D97-AF65-F5344CB8AC3E}">
-        <p14:creationId xmlns:p14="http://schemas.microsoft.com/office/powerpoint/2010/main" val="2121122867"/>
-      </p:ext>
-    </p:extLst>
-  </p:cSld>
-  <p:clrMapOvr>
-    <a:masterClrMapping/>
-  </p:clrMapOvr>
-</p:sld>
-</file>
-
-<file path=ppt/slides/slide11.xml><?xml version="1.0" encoding="utf-8"?>
-<p:sld xmlns:a="http://schemas.openxmlformats.org/drawingml/2006/main" xmlns:r="http://schemas.openxmlformats.org/officeDocument/2006/relationships" xmlns:p="http://schemas.openxmlformats.org/presentationml/2006/main">
-  <p:cSld>
-    <p:spTree>
-      <p:nvGrpSpPr>
-        <p:cNvPr id="1" name=""/>
-        <p:cNvGrpSpPr/>
-        <p:nvPr/>
-      </p:nvGrpSpPr>
-      <p:grpSpPr>
-        <a:xfrm>
-          <a:off x="0" y="0"/>
-          <a:ext cx="0" cy="0"/>
-          <a:chOff x="0" y="0"/>
-          <a:chExt cx="0" cy="0"/>
-        </a:xfrm>
-      </p:grpSpPr>
-      <p:pic>
-        <p:nvPicPr>
-          <p:cNvPr id="2050" name="Picture 3" descr="image003">
-            <a:extLst>
-              <a:ext uri="{FF2B5EF4-FFF2-40B4-BE49-F238E27FC236}">
-                <a16:creationId xmlns:a16="http://schemas.microsoft.com/office/drawing/2014/main" id="{CAE54DAD-D358-48AE-8D2E-622B496E7E75}"/>
-              </a:ext>
-            </a:extLst>
-          </p:cNvPr>
-          <p:cNvPicPr>
-            <a:picLocks noChangeAspect="1" noChangeArrowheads="1"/>
-          </p:cNvPicPr>
-          <p:nvPr/>
-        </p:nvPicPr>
-        <p:blipFill>
-          <a:blip r:embed="rId2">
-            <a:extLst>
-              <a:ext uri="{28A0092B-C50C-407E-A947-70E740481C1C}">
-                <a14:useLocalDpi xmlns:a14="http://schemas.microsoft.com/office/drawing/2010/main" val="0"/>
-              </a:ext>
-            </a:extLst>
-          </a:blip>
-          <a:srcRect/>
-          <a:stretch>
-            <a:fillRect/>
-          </a:stretch>
-        </p:blipFill>
-        <p:spPr bwMode="auto">
-          <a:xfrm>
-            <a:off x="660400" y="2761672"/>
-            <a:ext cx="4521257" cy="4096327"/>
-          </a:xfrm>
-          <a:prstGeom prst="rect">
-            <a:avLst/>
-          </a:prstGeom>
-          <a:noFill/>
-          <a:ln>
-            <a:noFill/>
-          </a:ln>
-          <a:extLst>
-            <a:ext uri="{909E8E84-426E-40DD-AFC4-6F175D3DCCD1}">
-              <a14:hiddenFill xmlns:a14="http://schemas.microsoft.com/office/drawing/2010/main">
-                <a:solidFill>
-                  <a:srgbClr val="FFFFFF"/>
-                </a:solidFill>
-              </a14:hiddenFill>
-            </a:ext>
-            <a:ext uri="{91240B29-F687-4F45-9708-019B960494DF}">
-              <a14:hiddenLine xmlns:a14="http://schemas.microsoft.com/office/drawing/2010/main" w="9525">
-                <a:solidFill>
-                  <a:srgbClr val="000000"/>
-                </a:solidFill>
-                <a:miter lim="800000"/>
-                <a:headEnd/>
-                <a:tailEnd/>
-              </a14:hiddenLine>
-            </a:ext>
-          </a:extLst>
-        </p:spPr>
-      </p:pic>
-      <p:sp>
-        <p:nvSpPr>
-          <p:cNvPr id="2" name="Title 1">
-            <a:extLst>
-              <a:ext uri="{FF2B5EF4-FFF2-40B4-BE49-F238E27FC236}">
-                <a16:creationId xmlns:a16="http://schemas.microsoft.com/office/drawing/2014/main" id="{4CF6A127-5823-48BA-A536-7CC0BA1662E1}"/>
-              </a:ext>
-            </a:extLst>
-          </p:cNvPr>
-          <p:cNvSpPr>
-            <a:spLocks noGrp="1"/>
-          </p:cNvSpPr>
-          <p:nvPr>
-            <p:ph type="title"/>
-          </p:nvPr>
-        </p:nvSpPr>
-        <p:spPr>
-          <a:xfrm>
-            <a:off x="469900" y="-130175"/>
-            <a:ext cx="10515600" cy="1325563"/>
-          </a:xfrm>
-        </p:spPr>
-        <p:txBody>
-          <a:bodyPr/>
-          <a:lstStyle/>
-          <a:p>
-            <a:pPr algn="ctr"/>
-            <a:r>
-              <a:rPr lang="en-GB" dirty="0">
-                <a:solidFill>
-                  <a:srgbClr val="7030A0"/>
-                </a:solidFill>
-              </a:rPr>
-              <a:t>8) Downloading:  </a:t>
-            </a:r>
-            <a:r>
-              <a:rPr lang="en-GB" b="1" dirty="0">
-                <a:solidFill>
-                  <a:srgbClr val="7030A0"/>
-                </a:solidFill>
-              </a:rPr>
-              <a:t>transfer files </a:t>
-            </a:r>
-            <a:r>
-              <a:rPr lang="en-GB" b="1" dirty="0" err="1">
-                <a:solidFill>
-                  <a:srgbClr val="7030A0"/>
-                </a:solidFill>
-              </a:rPr>
-              <a:t>Filezilla</a:t>
-            </a:r>
-            <a:endParaRPr lang="en-GB" b="1" dirty="0">
-              <a:solidFill>
-                <a:srgbClr val="7030A0"/>
-              </a:solidFill>
-            </a:endParaRPr>
-          </a:p>
-        </p:txBody>
-      </p:sp>
-      <p:sp>
-        <p:nvSpPr>
-          <p:cNvPr id="3" name="Content Placeholder 2">
-            <a:extLst>
-              <a:ext uri="{FF2B5EF4-FFF2-40B4-BE49-F238E27FC236}">
-                <a16:creationId xmlns:a16="http://schemas.microsoft.com/office/drawing/2014/main" id="{8A109800-2B21-462F-B38A-D835F2CD475C}"/>
-              </a:ext>
-            </a:extLst>
-          </p:cNvPr>
-          <p:cNvSpPr>
-            <a:spLocks noGrp="1"/>
-          </p:cNvSpPr>
-          <p:nvPr>
-            <p:ph idx="1"/>
-          </p:nvPr>
-        </p:nvSpPr>
-        <p:spPr>
-          <a:xfrm>
-            <a:off x="171449" y="1195388"/>
-            <a:ext cx="11801475" cy="4351338"/>
-          </a:xfrm>
-        </p:spPr>
-        <p:txBody>
-          <a:bodyPr>
-            <a:normAutofit/>
-          </a:bodyPr>
-          <a:lstStyle/>
-          <a:p>
-            <a:r>
-              <a:rPr lang="en-GB" sz="2400" dirty="0"/>
-              <a:t>2) When the next dialogue page comes up, click on “new site” (button , not the folder). Change the Protocol to SFTP. This is essential. Fill out the rest, use this host and port: 22. </a:t>
-            </a:r>
-          </a:p>
-          <a:p>
-            <a:r>
-              <a:rPr lang="en-GB" sz="2400" dirty="0"/>
-              <a:t>Once connected, you can drag and drop files from one window to the next. </a:t>
-            </a:r>
-          </a:p>
-          <a:p>
-            <a:endParaRPr lang="en-GB" dirty="0"/>
-          </a:p>
-          <a:p>
-            <a:pPr marL="0" indent="0">
-              <a:buNone/>
-            </a:pPr>
-            <a:endParaRPr lang="en-GB" dirty="0">
-              <a:solidFill>
-                <a:srgbClr val="0070C0"/>
-              </a:solidFill>
-            </a:endParaRPr>
-          </a:p>
-        </p:txBody>
-      </p:sp>
-      <p:cxnSp>
-        <p:nvCxnSpPr>
-          <p:cNvPr id="5" name="Straight Arrow Connector 4">
-            <a:extLst>
-              <a:ext uri="{FF2B5EF4-FFF2-40B4-BE49-F238E27FC236}">
-                <a16:creationId xmlns:a16="http://schemas.microsoft.com/office/drawing/2014/main" id="{DF00B003-8DCF-47CF-9003-E90F9E629879}"/>
-              </a:ext>
-            </a:extLst>
-          </p:cNvPr>
-          <p:cNvCxnSpPr/>
-          <p:nvPr/>
-        </p:nvCxnSpPr>
-        <p:spPr>
-          <a:xfrm flipH="1" flipV="1">
-            <a:off x="1186696" y="5810874"/>
-            <a:ext cx="4200041" cy="627681"/>
-          </a:xfrm>
-          <a:prstGeom prst="straightConnector1">
-            <a:avLst/>
-          </a:prstGeom>
-          <a:ln>
-            <a:tailEnd type="triangle"/>
-          </a:ln>
-        </p:spPr>
-        <p:style>
-          <a:lnRef idx="3">
-            <a:schemeClr val="dk1"/>
-          </a:lnRef>
-          <a:fillRef idx="0">
-            <a:schemeClr val="dk1"/>
-          </a:fillRef>
-          <a:effectRef idx="2">
-            <a:schemeClr val="dk1"/>
-          </a:effectRef>
-          <a:fontRef idx="minor">
-            <a:schemeClr val="tx1"/>
-          </a:fontRef>
-        </p:style>
-      </p:cxnSp>
-      <p:cxnSp>
-        <p:nvCxnSpPr>
-          <p:cNvPr id="7" name="Straight Arrow Connector 6">
-            <a:extLst>
-              <a:ext uri="{FF2B5EF4-FFF2-40B4-BE49-F238E27FC236}">
-                <a16:creationId xmlns:a16="http://schemas.microsoft.com/office/drawing/2014/main" id="{BBCE6C30-76F0-4685-8D03-8427CD6DC575}"/>
-              </a:ext>
-            </a:extLst>
-          </p:cNvPr>
-          <p:cNvCxnSpPr/>
-          <p:nvPr/>
-        </p:nvCxnSpPr>
-        <p:spPr>
-          <a:xfrm flipH="1" flipV="1">
-            <a:off x="4377249" y="3661776"/>
-            <a:ext cx="4200041" cy="627681"/>
-          </a:xfrm>
-          <a:prstGeom prst="straightConnector1">
-            <a:avLst/>
-          </a:prstGeom>
-          <a:ln>
-            <a:tailEnd type="triangle"/>
-          </a:ln>
-        </p:spPr>
-        <p:style>
-          <a:lnRef idx="3">
-            <a:schemeClr val="dk1"/>
-          </a:lnRef>
-          <a:fillRef idx="0">
-            <a:schemeClr val="dk1"/>
-          </a:fillRef>
-          <a:effectRef idx="2">
-            <a:schemeClr val="dk1"/>
-          </a:effectRef>
-          <a:fontRef idx="minor">
-            <a:schemeClr val="tx1"/>
-          </a:fontRef>
-        </p:style>
-      </p:cxnSp>
-      <p:sp>
-        <p:nvSpPr>
-          <p:cNvPr id="4" name="TextBox 3">
-            <a:extLst>
-              <a:ext uri="{FF2B5EF4-FFF2-40B4-BE49-F238E27FC236}">
-                <a16:creationId xmlns:a16="http://schemas.microsoft.com/office/drawing/2014/main" id="{E3F3AA6E-F4AE-4BFD-B949-3E223C708E48}"/>
-              </a:ext>
-            </a:extLst>
-          </p:cNvPr>
-          <p:cNvSpPr txBox="1"/>
-          <p:nvPr/>
-        </p:nvSpPr>
-        <p:spPr>
-          <a:xfrm>
-            <a:off x="8632970" y="4161802"/>
-            <a:ext cx="1546789" cy="369332"/>
-          </a:xfrm>
-          <a:prstGeom prst="rect">
-            <a:avLst/>
-          </a:prstGeom>
-          <a:noFill/>
-        </p:spPr>
-        <p:txBody>
-          <a:bodyPr wrap="square" rtlCol="0">
-            <a:spAutoFit/>
-          </a:bodyPr>
-          <a:lstStyle/>
-          <a:p>
-            <a:r>
-              <a:rPr lang="en-GB" dirty="0" err="1"/>
-              <a:t>sfpt</a:t>
-            </a:r>
-            <a:endParaRPr lang="en-GB" dirty="0"/>
-          </a:p>
-        </p:txBody>
-      </p:sp>
-    </p:spTree>
-    <p:extLst>
-      <p:ext uri="{BB962C8B-B14F-4D97-AF65-F5344CB8AC3E}">
-        <p14:creationId xmlns:p14="http://schemas.microsoft.com/office/powerpoint/2010/main" val="2781623428"/>
-      </p:ext>
-    </p:extLst>
-  </p:cSld>
-  <p:clrMapOvr>
-    <a:masterClrMapping/>
-  </p:clrMapOvr>
-</p:sld>
-</file>
-
-<file path=ppt/slides/slide12.xml><?xml version="1.0" encoding="utf-8"?>
-<p:sld xmlns:a="http://schemas.openxmlformats.org/drawingml/2006/main" xmlns:r="http://schemas.openxmlformats.org/officeDocument/2006/relationships" xmlns:p="http://schemas.openxmlformats.org/presentationml/2006/main">
-  <p:cSld>
-    <p:spTree>
-      <p:nvGrpSpPr>
-        <p:cNvPr id="1" name=""/>
-        <p:cNvGrpSpPr/>
-        <p:nvPr/>
-      </p:nvGrpSpPr>
-      <p:grpSpPr>
-        <a:xfrm>
-          <a:off x="0" y="0"/>
-          <a:ext cx="0" cy="0"/>
-          <a:chOff x="0" y="0"/>
-          <a:chExt cx="0" cy="0"/>
-        </a:xfrm>
-      </p:grpSpPr>
-      <p:sp>
-        <p:nvSpPr>
-          <p:cNvPr id="2" name="Title 1">
-            <a:extLst>
-              <a:ext uri="{FF2B5EF4-FFF2-40B4-BE49-F238E27FC236}">
-                <a16:creationId xmlns:a16="http://schemas.microsoft.com/office/drawing/2014/main" id="{40F48A92-1D95-4EB9-8683-671B31792834}"/>
-              </a:ext>
-            </a:extLst>
-          </p:cNvPr>
-          <p:cNvSpPr>
-            <a:spLocks noGrp="1"/>
-          </p:cNvSpPr>
-          <p:nvPr>
-            <p:ph type="title"/>
-          </p:nvPr>
-        </p:nvSpPr>
-        <p:spPr>
-          <a:xfrm>
-            <a:off x="838200" y="-206375"/>
-            <a:ext cx="10515600" cy="1325563"/>
-          </a:xfrm>
-        </p:spPr>
-        <p:txBody>
-          <a:bodyPr/>
-          <a:lstStyle/>
-          <a:p>
-            <a:pPr algn="ctr"/>
-            <a:r>
-              <a:rPr lang="en-GB" dirty="0">
-                <a:solidFill>
-                  <a:srgbClr val="7030A0"/>
-                </a:solidFill>
-              </a:rPr>
-              <a:t>9) Advanced: .</a:t>
-            </a:r>
-            <a:r>
-              <a:rPr lang="en-GB" dirty="0" err="1">
-                <a:solidFill>
-                  <a:srgbClr val="7030A0"/>
-                </a:solidFill>
-              </a:rPr>
-              <a:t>bash_profile</a:t>
-            </a:r>
-            <a:endParaRPr lang="en-GB" dirty="0">
-              <a:solidFill>
-                <a:srgbClr val="7030A0"/>
-              </a:solidFill>
-            </a:endParaRPr>
-          </a:p>
-        </p:txBody>
-      </p:sp>
-      <p:sp>
-        <p:nvSpPr>
-          <p:cNvPr id="3" name="Content Placeholder 2">
-            <a:extLst>
-              <a:ext uri="{FF2B5EF4-FFF2-40B4-BE49-F238E27FC236}">
-                <a16:creationId xmlns:a16="http://schemas.microsoft.com/office/drawing/2014/main" id="{E463A3D9-5893-48D9-9587-197FED671999}"/>
-              </a:ext>
-            </a:extLst>
-          </p:cNvPr>
-          <p:cNvSpPr>
-            <a:spLocks noGrp="1"/>
-          </p:cNvSpPr>
-          <p:nvPr>
-            <p:ph idx="1"/>
-          </p:nvPr>
-        </p:nvSpPr>
-        <p:spPr>
-          <a:xfrm>
-            <a:off x="152400" y="827088"/>
-            <a:ext cx="11671300" cy="5789612"/>
-          </a:xfrm>
-        </p:spPr>
-        <p:txBody>
-          <a:bodyPr>
-            <a:normAutofit/>
-          </a:bodyPr>
-          <a:lstStyle/>
-          <a:p>
-            <a:r>
-              <a:rPr lang="en-GB" dirty="0"/>
-              <a:t>This is beyond a beginners course, but just to make you aware of it…</a:t>
-            </a:r>
-          </a:p>
-          <a:p>
-            <a:r>
-              <a:rPr lang="en-GB" dirty="0"/>
-              <a:t>Type:  </a:t>
-            </a:r>
-            <a:r>
-              <a:rPr lang="en-GB" dirty="0">
-                <a:solidFill>
-                  <a:srgbClr val="0070C0"/>
-                </a:solidFill>
-              </a:rPr>
-              <a:t>more ~/.</a:t>
-            </a:r>
-            <a:r>
-              <a:rPr lang="en-GB" dirty="0" err="1">
-                <a:solidFill>
-                  <a:srgbClr val="0070C0"/>
-                </a:solidFill>
-              </a:rPr>
-              <a:t>bash_profile</a:t>
-            </a:r>
-            <a:endParaRPr lang="en-GB" dirty="0">
-              <a:solidFill>
-                <a:srgbClr val="0070C0"/>
-              </a:solidFill>
-            </a:endParaRPr>
-          </a:p>
-          <a:p>
-            <a:r>
-              <a:rPr lang="en-GB" dirty="0"/>
-              <a:t>This is where you can tell the server to </a:t>
-            </a:r>
-          </a:p>
-          <a:p>
-            <a:pPr marL="0" indent="0">
-              <a:buNone/>
-            </a:pPr>
-            <a:r>
-              <a:rPr lang="en-GB" dirty="0"/>
-              <a:t>“look for programs”, set environmental</a:t>
-            </a:r>
-          </a:p>
-          <a:p>
-            <a:pPr marL="0" indent="0">
-              <a:buNone/>
-            </a:pPr>
-            <a:r>
-              <a:rPr lang="en-GB" dirty="0"/>
-              <a:t>variables, and other magic!!</a:t>
-            </a:r>
-          </a:p>
-          <a:p>
-            <a:r>
-              <a:rPr lang="en-GB" dirty="0"/>
-              <a:t>I put the latest BLAST in, with </a:t>
-            </a:r>
-            <a:r>
-              <a:rPr lang="en-GB" dirty="0" err="1"/>
-              <a:t>db</a:t>
-            </a:r>
-            <a:r>
-              <a:rPr lang="en-GB" dirty="0"/>
-              <a:t>:</a:t>
-            </a:r>
-          </a:p>
-          <a:p>
-            <a:pPr marL="0" indent="0">
-              <a:buNone/>
-            </a:pPr>
-            <a:r>
-              <a:rPr lang="en-GB" sz="2000" dirty="0">
-                <a:solidFill>
-                  <a:srgbClr val="FF0000"/>
-                </a:solidFill>
-              </a:rPr>
-              <a:t>export PATH=/shelf/apps/ncbi-blast-2.7.1+/bin/:$PATH</a:t>
-            </a:r>
-          </a:p>
-          <a:p>
-            <a:pPr marL="0" indent="0">
-              <a:buNone/>
-            </a:pPr>
-            <a:r>
-              <a:rPr lang="en-GB" sz="2000" dirty="0"/>
-              <a:t># this is where the </a:t>
-            </a:r>
-            <a:r>
-              <a:rPr lang="en-GB" sz="2000" dirty="0" err="1"/>
-              <a:t>nr</a:t>
-            </a:r>
-            <a:r>
-              <a:rPr lang="en-GB" sz="2000" dirty="0"/>
-              <a:t>, </a:t>
-            </a:r>
-            <a:r>
-              <a:rPr lang="en-GB" sz="2000" dirty="0" err="1"/>
-              <a:t>nt</a:t>
-            </a:r>
-            <a:r>
-              <a:rPr lang="en-GB" sz="2000" dirty="0"/>
-              <a:t>, diamond </a:t>
-            </a:r>
-            <a:r>
-              <a:rPr lang="en-GB" sz="2000" dirty="0" err="1"/>
-              <a:t>db</a:t>
-            </a:r>
-            <a:r>
-              <a:rPr lang="en-GB" sz="2000" dirty="0"/>
-              <a:t> are</a:t>
-            </a:r>
-          </a:p>
-          <a:p>
-            <a:pPr marL="0" indent="0">
-              <a:buNone/>
-            </a:pPr>
-            <a:r>
-              <a:rPr lang="en-GB" sz="2000" dirty="0">
-                <a:solidFill>
-                  <a:srgbClr val="FF0000"/>
-                </a:solidFill>
-              </a:rPr>
-              <a:t>export BLASTDB=/shelf/public/</a:t>
-            </a:r>
-            <a:r>
-              <a:rPr lang="en-GB" sz="2000" dirty="0" err="1">
-                <a:solidFill>
-                  <a:srgbClr val="FF0000"/>
-                </a:solidFill>
-              </a:rPr>
-              <a:t>blastntnr</a:t>
-            </a:r>
-            <a:r>
-              <a:rPr lang="en-GB" sz="2000" dirty="0">
-                <a:solidFill>
-                  <a:srgbClr val="FF0000"/>
-                </a:solidFill>
-              </a:rPr>
-              <a:t>/</a:t>
-            </a:r>
-            <a:r>
-              <a:rPr lang="en-GB" sz="2000" dirty="0" err="1">
-                <a:solidFill>
-                  <a:srgbClr val="FF0000"/>
-                </a:solidFill>
-              </a:rPr>
-              <a:t>blastDatabases</a:t>
-            </a:r>
-            <a:endParaRPr lang="en-GB" sz="2000" dirty="0">
-              <a:solidFill>
-                <a:srgbClr val="FF0000"/>
-              </a:solidFill>
-            </a:endParaRPr>
-          </a:p>
-          <a:p>
-            <a:pPr marL="0" indent="0">
-              <a:buNone/>
-            </a:pPr>
-            <a:endParaRPr lang="en-GB" dirty="0"/>
-          </a:p>
-          <a:p>
-            <a:pPr marL="0" indent="0">
-              <a:buNone/>
-            </a:pPr>
-            <a:endParaRPr lang="en-GB" dirty="0"/>
-          </a:p>
-          <a:p>
-            <a:endParaRPr lang="en-GB" dirty="0"/>
-          </a:p>
-        </p:txBody>
-      </p:sp>
-      <p:pic>
-        <p:nvPicPr>
-          <p:cNvPr id="4" name="Picture 3">
-            <a:extLst>
-              <a:ext uri="{FF2B5EF4-FFF2-40B4-BE49-F238E27FC236}">
-                <a16:creationId xmlns:a16="http://schemas.microsoft.com/office/drawing/2014/main" id="{8E5F8CE5-AA53-4E8A-A9F4-8064AF3A4148}"/>
-              </a:ext>
-            </a:extLst>
-          </p:cNvPr>
-          <p:cNvPicPr>
-            <a:picLocks noChangeAspect="1"/>
-          </p:cNvPicPr>
-          <p:nvPr/>
-        </p:nvPicPr>
-        <p:blipFill rotWithShape="1">
-          <a:blip r:embed="rId2">
-            <a:extLst>
-              <a:ext uri="{28A0092B-C50C-407E-A947-70E740481C1C}">
-                <a14:useLocalDpi xmlns:a14="http://schemas.microsoft.com/office/drawing/2010/main" val="0"/>
-              </a:ext>
-            </a:extLst>
-          </a:blip>
-          <a:srcRect/>
-          <a:stretch/>
-        </p:blipFill>
-        <p:spPr>
-          <a:xfrm>
-            <a:off x="6322774" y="1430031"/>
-            <a:ext cx="8294926" cy="5186669"/>
-          </a:xfrm>
-          <a:prstGeom prst="rect">
-            <a:avLst/>
-          </a:prstGeom>
-        </p:spPr>
-      </p:pic>
-      <p:sp>
-        <p:nvSpPr>
-          <p:cNvPr id="5" name="TextBox 4">
-            <a:extLst>
-              <a:ext uri="{FF2B5EF4-FFF2-40B4-BE49-F238E27FC236}">
-                <a16:creationId xmlns:a16="http://schemas.microsoft.com/office/drawing/2014/main" id="{5005C2C8-5253-4293-8CAD-9EDB25A4B4E6}"/>
-              </a:ext>
-            </a:extLst>
-          </p:cNvPr>
-          <p:cNvSpPr txBox="1"/>
-          <p:nvPr/>
-        </p:nvSpPr>
-        <p:spPr>
-          <a:xfrm>
-            <a:off x="10576392" y="139561"/>
-            <a:ext cx="1663700" cy="523220"/>
-          </a:xfrm>
-          <a:prstGeom prst="rect">
-            <a:avLst/>
-          </a:prstGeom>
-          <a:noFill/>
-        </p:spPr>
-        <p:txBody>
-          <a:bodyPr wrap="square" rtlCol="0">
-            <a:spAutoFit/>
-          </a:bodyPr>
-          <a:lstStyle/>
-          <a:p>
-            <a:r>
-              <a:rPr lang="en-GB" sz="2800" dirty="0">
-                <a:solidFill>
-                  <a:srgbClr val="FF0000"/>
-                </a:solidFill>
-                <a:highlight>
-                  <a:srgbClr val="FFFF00"/>
-                </a:highlight>
-              </a:rPr>
-              <a:t>ACTIVITY</a:t>
-            </a:r>
-          </a:p>
-        </p:txBody>
-      </p:sp>
-    </p:spTree>
-    <p:extLst>
-      <p:ext uri="{BB962C8B-B14F-4D97-AF65-F5344CB8AC3E}">
-        <p14:creationId xmlns:p14="http://schemas.microsoft.com/office/powerpoint/2010/main" val="1379148863"/>
-      </p:ext>
-    </p:extLst>
-  </p:cSld>
-  <p:clrMapOvr>
-    <a:masterClrMapping/>
-  </p:clrMapOvr>
-</p:sld>
-</file>
-
-<file path=ppt/slides/slide13.xml><?xml version="1.0" encoding="utf-8"?>
-<p:sld xmlns:a="http://schemas.openxmlformats.org/drawingml/2006/main" xmlns:r="http://schemas.openxmlformats.org/officeDocument/2006/relationships" xmlns:p="http://schemas.openxmlformats.org/presentationml/2006/main">
-  <p:cSld>
-    <p:spTree>
-      <p:nvGrpSpPr>
-        <p:cNvPr id="1" name=""/>
-        <p:cNvGrpSpPr/>
-        <p:nvPr/>
-      </p:nvGrpSpPr>
-      <p:grpSpPr>
-        <a:xfrm>
-          <a:off x="0" y="0"/>
-          <a:ext cx="0" cy="0"/>
-          <a:chOff x="0" y="0"/>
-          <a:chExt cx="0" cy="0"/>
-        </a:xfrm>
-      </p:grpSpPr>
-      <p:sp>
-        <p:nvSpPr>
-          <p:cNvPr id="2" name="Title 1">
-            <a:extLst>
-              <a:ext uri="{FF2B5EF4-FFF2-40B4-BE49-F238E27FC236}">
                 <a16:creationId xmlns:a16="http://schemas.microsoft.com/office/drawing/2014/main" id="{238F34ED-D75E-49A0-BC63-38C071AA49D3}"/>
               </a:ext>
             </a:extLst>
@@ -4857,7 +3921,7 @@
 </p:sld>
 </file>
 
-<file path=ppt/slides/slide14.xml><?xml version="1.0" encoding="utf-8"?>
+<file path=ppt/slides/slide11.xml><?xml version="1.0" encoding="utf-8"?>
 <p:sld xmlns:a="http://schemas.openxmlformats.org/drawingml/2006/main" xmlns:r="http://schemas.openxmlformats.org/officeDocument/2006/relationships" xmlns:p="http://schemas.openxmlformats.org/presentationml/2006/main">
   <p:cSld>
     <p:spTree>
@@ -5012,7 +4076,7 @@
 </p:sld>
 </file>
 
-<file path=ppt/slides/slide15.xml><?xml version="1.0" encoding="utf-8"?>
+<file path=ppt/slides/slide12.xml><?xml version="1.0" encoding="utf-8"?>
 <p:sld xmlns:a="http://schemas.openxmlformats.org/drawingml/2006/main" xmlns:r="http://schemas.openxmlformats.org/officeDocument/2006/relationships" xmlns:p="http://schemas.openxmlformats.org/presentationml/2006/main">
   <p:cSld>
     <p:spTree>
@@ -5140,7 +4204,7 @@
 </p:sld>
 </file>
 
-<file path=ppt/slides/slide16.xml><?xml version="1.0" encoding="utf-8"?>
+<file path=ppt/slides/slide13.xml><?xml version="1.0" encoding="utf-8"?>
 <p:sld xmlns:a="http://schemas.openxmlformats.org/drawingml/2006/main" xmlns:r="http://schemas.openxmlformats.org/officeDocument/2006/relationships" xmlns:p="http://schemas.openxmlformats.org/presentationml/2006/main">
   <p:cSld>
     <p:spTree>
@@ -5363,7 +4427,7 @@
 </p:sld>
 </file>
 
-<file path=ppt/slides/slide17.xml><?xml version="1.0" encoding="utf-8"?>
+<file path=ppt/slides/slide14.xml><?xml version="1.0" encoding="utf-8"?>
 <p:sld xmlns:a="http://schemas.openxmlformats.org/drawingml/2006/main" xmlns:r="http://schemas.openxmlformats.org/officeDocument/2006/relationships" xmlns:p="http://schemas.openxmlformats.org/presentationml/2006/main">
   <p:cSld>
     <p:spTree>
@@ -5900,9 +4964,16 @@
             <p:ph type="title"/>
           </p:nvPr>
         </p:nvSpPr>
-        <p:spPr/>
-        <p:txBody>
-          <a:bodyPr/>
+        <p:spPr>
+          <a:xfrm>
+            <a:off x="772357" y="365125"/>
+            <a:ext cx="10981677" cy="2147256"/>
+          </a:xfrm>
+        </p:spPr>
+        <p:txBody>
+          <a:bodyPr>
+            <a:normAutofit/>
+          </a:bodyPr>
           <a:lstStyle/>
           <a:p>
             <a:r>
@@ -5911,8 +4982,53 @@
                   <a:srgbClr val="7030A0"/>
                 </a:solidFill>
               </a:rPr>
-              <a:t>2) Getting connected</a:t>
-            </a:r>
+              <a:t>2) Extra </a:t>
+            </a:r>
+            <a:r>
+              <a:rPr lang="en-GB" dirty="0" err="1">
+                <a:solidFill>
+                  <a:srgbClr val="7030A0"/>
+                </a:solidFill>
+              </a:rPr>
+              <a:t>powerpoints</a:t>
+            </a:r>
+            <a:r>
+              <a:rPr lang="en-GB" dirty="0">
+                <a:solidFill>
+                  <a:srgbClr val="7030A0"/>
+                </a:solidFill>
+              </a:rPr>
+              <a:t> as a background</a:t>
+            </a:r>
+            <a:br>
+              <a:rPr lang="en-GB" dirty="0">
+                <a:solidFill>
+                  <a:srgbClr val="7030A0"/>
+                </a:solidFill>
+              </a:rPr>
+            </a:br>
+            <a:r>
+              <a:rPr lang="en-GB" sz="2000" dirty="0">
+                <a:solidFill>
+                  <a:srgbClr val="7030A0"/>
+                </a:solidFill>
+                <a:hlinkClick r:id="rId2"/>
+              </a:rPr>
+              <a:t>https://github.com/peterthorpe5/genome_assembly_workshop/tree/master/powerpoint</a:t>
+            </a:r>
+            <a:r>
+              <a:rPr lang="en-GB" sz="2000" dirty="0">
+                <a:solidFill>
+                  <a:srgbClr val="7030A0"/>
+                </a:solidFill>
+              </a:rPr>
+              <a:t> </a:t>
+            </a:r>
+            <a:endParaRPr lang="en-GB" dirty="0">
+              <a:solidFill>
+                <a:srgbClr val="7030A0"/>
+              </a:solidFill>
+            </a:endParaRPr>
           </a:p>
         </p:txBody>
       </p:sp>
@@ -5932,7 +5048,12 @@
             <p:ph idx="1"/>
           </p:nvPr>
         </p:nvSpPr>
-        <p:spPr/>
+        <p:spPr>
+          <a:xfrm>
+            <a:off x="838200" y="2944211"/>
+            <a:ext cx="10515600" cy="4351338"/>
+          </a:xfrm>
+        </p:spPr>
         <p:txBody>
           <a:bodyPr/>
           <a:lstStyle/>
@@ -5953,6 +5074,73 @@
               <a:rPr lang="en-GB" dirty="0"/>
               <a:t>)</a:t>
             </a:r>
+          </a:p>
+          <a:p>
+            <a:r>
+              <a:rPr lang="en-GB" dirty="0"/>
+              <a:t>Short practical, basic UNIX commands (</a:t>
+            </a:r>
+            <a:r>
+              <a:rPr lang="en-GB" dirty="0">
+                <a:solidFill>
+                  <a:srgbClr val="FF0000"/>
+                </a:solidFill>
+              </a:rPr>
+              <a:t>3_basic_UNIX.pptx</a:t>
+            </a:r>
+            <a:r>
+              <a:rPr lang="en-GB" dirty="0"/>
+              <a:t>)</a:t>
+            </a:r>
+          </a:p>
+          <a:p>
+            <a:r>
+              <a:rPr lang="en-GB" dirty="0"/>
+              <a:t>Here we learn how to “talk to the computer” (</a:t>
+            </a:r>
+            <a:r>
+              <a:rPr lang="en-GB" dirty="0">
+                <a:solidFill>
+                  <a:srgbClr val="FF0000"/>
+                </a:solidFill>
+              </a:rPr>
+              <a:t>4_Shell_scripting.pptx</a:t>
+            </a:r>
+            <a:r>
+              <a:rPr lang="en-GB" dirty="0"/>
+              <a:t>)</a:t>
+            </a:r>
+          </a:p>
+          <a:p>
+            <a:r>
+              <a:rPr lang="en-GB" dirty="0"/>
+              <a:t>Now we have learnt how to write shell scripts, we can now submit jobs to the cluster via </a:t>
+            </a:r>
+            <a:r>
+              <a:rPr lang="en-GB" dirty="0" err="1"/>
+              <a:t>qsub</a:t>
+            </a:r>
+            <a:endParaRPr lang="en-GB" dirty="0"/>
+          </a:p>
+          <a:p>
+            <a:r>
+              <a:rPr lang="en-GB" dirty="0"/>
+              <a:t>Open </a:t>
+            </a:r>
+            <a:r>
+              <a:rPr lang="en-GB" dirty="0">
+                <a:solidFill>
+                  <a:srgbClr val="FF0000"/>
+                </a:solidFill>
+              </a:rPr>
+              <a:t>5_qsub.pptx</a:t>
+            </a:r>
+          </a:p>
+          <a:p>
+            <a:endParaRPr lang="en-GB" dirty="0"/>
+          </a:p>
+          <a:p>
+            <a:endParaRPr lang="en-GB" dirty="0"/>
           </a:p>
         </p:txBody>
       </p:sp>
@@ -5991,7 +5179,7 @@
           <p:cNvPr id="2" name="Title 1">
             <a:extLst>
               <a:ext uri="{FF2B5EF4-FFF2-40B4-BE49-F238E27FC236}">
-                <a16:creationId xmlns:a16="http://schemas.microsoft.com/office/drawing/2014/main" id="{B38A0F29-CBF5-4F6F-8067-DDC8E390B91E}"/>
+                <a16:creationId xmlns:a16="http://schemas.microsoft.com/office/drawing/2014/main" id="{542777C1-7B95-421C-B8A4-C9E15C1294EA}"/>
               </a:ext>
             </a:extLst>
           </p:cNvPr>
@@ -6013,7 +5201,7 @@
                   <a:srgbClr val="7030A0"/>
                 </a:solidFill>
               </a:rPr>
-              <a:t>3) Basic UNIX: open the PowerPoint</a:t>
+              <a:t>Moving on to an actual example</a:t>
             </a:r>
           </a:p>
         </p:txBody>
@@ -6023,7 +5211,7 @@
           <p:cNvPr id="3" name="Content Placeholder 2">
             <a:extLst>
               <a:ext uri="{FF2B5EF4-FFF2-40B4-BE49-F238E27FC236}">
-                <a16:creationId xmlns:a16="http://schemas.microsoft.com/office/drawing/2014/main" id="{B7D7F1BD-ACA4-4C4D-B152-CF18FDF314D2}"/>
+                <a16:creationId xmlns:a16="http://schemas.microsoft.com/office/drawing/2014/main" id="{12BE9CEA-E3C0-4F60-B1CB-2D9D0E2B8A7A}"/>
               </a:ext>
             </a:extLst>
           </p:cNvPr>
@@ -6041,7 +5229,39 @@
           <a:p>
             <a:r>
               <a:rPr lang="en-GB" dirty="0"/>
-              <a:t>Short practical, basic UNIX commands (</a:t>
+              <a:t>I know there was a lot of background … but… </a:t>
+            </a:r>
+          </a:p>
+          <a:p>
+            <a:r>
+              <a:rPr lang="en-GB" dirty="0"/>
+              <a:t>Now we know how to write shell script.</a:t>
+            </a:r>
+          </a:p>
+          <a:p>
+            <a:r>
+              <a:rPr lang="en-GB" dirty="0"/>
+              <a:t>Lets do a bacterial genomes assembly as an example</a:t>
+            </a:r>
+          </a:p>
+          <a:p>
+            <a:r>
+              <a:rPr lang="en-GB" dirty="0"/>
+              <a:t>We have already looked at </a:t>
+            </a:r>
+            <a:r>
+              <a:rPr lang="en-GB" dirty="0" err="1"/>
+              <a:t>fastqc</a:t>
+            </a:r>
+            <a:r>
+              <a:rPr lang="en-GB" dirty="0"/>
+              <a:t> to qc our read files.</a:t>
+            </a:r>
+          </a:p>
+          <a:p>
+            <a:r>
+              <a:rPr lang="en-GB" dirty="0"/>
+              <a:t>Open </a:t>
             </a:r>
             <a:r>
               <a:rPr lang="en-GB" dirty="0">
@@ -6049,11 +5269,7 @@
                   <a:srgbClr val="FF0000"/>
                 </a:solidFill>
               </a:rPr>
-              <a:t>3_basic_UNIX.pptx</a:t>
-            </a:r>
-            <a:r>
-              <a:rPr lang="en-GB" dirty="0"/>
-              <a:t>)</a:t>
+              <a:t>6_RNAseq.pptx</a:t>
             </a:r>
           </a:p>
         </p:txBody>
@@ -6061,7 +5277,7 @@
     </p:spTree>
     <p:extLst>
       <p:ext uri="{BB962C8B-B14F-4D97-AF65-F5344CB8AC3E}">
-        <p14:creationId xmlns:p14="http://schemas.microsoft.com/office/powerpoint/2010/main" val="1605566831"/>
+        <p14:creationId xmlns:p14="http://schemas.microsoft.com/office/powerpoint/2010/main" val="789431044"/>
       </p:ext>
     </p:extLst>
   </p:cSld>
@@ -6093,7 +5309,7 @@
           <p:cNvPr id="2" name="Title 1">
             <a:extLst>
               <a:ext uri="{FF2B5EF4-FFF2-40B4-BE49-F238E27FC236}">
-                <a16:creationId xmlns:a16="http://schemas.microsoft.com/office/drawing/2014/main" id="{EA251008-F27C-4C1F-8F10-375807AB107C}"/>
+                <a16:creationId xmlns:a16="http://schemas.microsoft.com/office/drawing/2014/main" id="{4CF6A127-5823-48BA-A536-7CC0BA1662E1}"/>
               </a:ext>
             </a:extLst>
           </p:cNvPr>
@@ -6104,18 +5320,40 @@
             <p:ph type="title"/>
           </p:nvPr>
         </p:nvSpPr>
-        <p:spPr/>
+        <p:spPr>
+          <a:xfrm>
+            <a:off x="469900" y="-130175"/>
+            <a:ext cx="10515600" cy="1325563"/>
+          </a:xfrm>
+        </p:spPr>
         <p:txBody>
           <a:bodyPr/>
           <a:lstStyle/>
           <a:p>
+            <a:pPr algn="ctr"/>
             <a:r>
               <a:rPr lang="en-GB" dirty="0">
                 <a:solidFill>
                   <a:srgbClr val="7030A0"/>
                 </a:solidFill>
               </a:rPr>
-              <a:t>4) Shell scripting: open the PowerPoint</a:t>
+              <a:t>8) Downloading:  </a:t>
+            </a:r>
+            <a:r>
+              <a:rPr lang="en-GB" b="1" dirty="0" err="1">
+                <a:solidFill>
+                  <a:srgbClr val="7030A0"/>
+                </a:solidFill>
+              </a:rPr>
+              <a:t>scp</a:t>
+            </a:r>
+            <a:r>
+              <a:rPr lang="en-GB" b="1" dirty="0">
+                <a:solidFill>
+                  <a:srgbClr val="7030A0"/>
+                </a:solidFill>
+              </a:rPr>
+              <a:t> - transfer files</a:t>
             </a:r>
           </a:p>
         </p:txBody>
@@ -6125,7 +5363,7 @@
           <p:cNvPr id="3" name="Content Placeholder 2">
             <a:extLst>
               <a:ext uri="{FF2B5EF4-FFF2-40B4-BE49-F238E27FC236}">
-                <a16:creationId xmlns:a16="http://schemas.microsoft.com/office/drawing/2014/main" id="{AF3CF147-5046-4E7A-BC9A-1D353C1C3AAE}"/>
+                <a16:creationId xmlns:a16="http://schemas.microsoft.com/office/drawing/2014/main" id="{8A109800-2B21-462F-B38A-D835F2CD475C}"/>
               </a:ext>
             </a:extLst>
           </p:cNvPr>
@@ -6136,56 +5374,202 @@
             <p:ph idx="1"/>
           </p:nvPr>
         </p:nvSpPr>
-        <p:spPr/>
-        <p:txBody>
-          <a:bodyPr/>
-          <a:lstStyle/>
+        <p:spPr>
+          <a:xfrm>
+            <a:off x="171449" y="1195388"/>
+            <a:ext cx="11801475" cy="4351338"/>
+          </a:xfrm>
+        </p:spPr>
+        <p:txBody>
+          <a:bodyPr>
+            <a:normAutofit/>
+          </a:bodyPr>
+          <a:lstStyle/>
+          <a:p>
+            <a:pPr marL="0" indent="0">
+              <a:buNone/>
+            </a:pPr>
+            <a:r>
+              <a:rPr lang="en-GB" dirty="0" err="1">
+                <a:solidFill>
+                  <a:srgbClr val="0070C0"/>
+                </a:solidFill>
+              </a:rPr>
+              <a:t>scp</a:t>
+            </a:r>
+            <a:r>
+              <a:rPr lang="en-GB" dirty="0">
+                <a:solidFill>
+                  <a:srgbClr val="0070C0"/>
+                </a:solidFill>
+              </a:rPr>
+              <a:t> &lt;filename&gt; &lt;username&gt;@marvin.st-andrews.ac.uk:~ </a:t>
+            </a:r>
+          </a:p>
           <a:p>
             <a:r>
               <a:rPr lang="en-GB" dirty="0"/>
-              <a:t>Here we learn how </a:t>
-            </a:r>
-            <a:r>
-              <a:rPr lang="en-GB"/>
-              <a:t>to “talk </a:t>
+              <a:t>To copy an entire directory, you need to add the </a:t>
+            </a:r>
+            <a:r>
+              <a:rPr lang="en-GB" dirty="0">
+                <a:solidFill>
+                  <a:srgbClr val="0070C0"/>
+                </a:solidFill>
+              </a:rPr>
+              <a:t>-r</a:t>
             </a:r>
             <a:r>
               <a:rPr lang="en-GB" dirty="0"/>
-              <a:t>to </a:t>
-            </a:r>
-            <a:r>
-              <a:rPr lang="en-GB"/>
-              <a:t>the computer” </a:t>
+              <a:t> to the </a:t>
+            </a:r>
+            <a:r>
+              <a:rPr lang="en-GB" dirty="0" err="1"/>
+              <a:t>scp</a:t>
             </a:r>
             <a:r>
               <a:rPr lang="en-GB" dirty="0"/>
-              <a:t>(</a:t>
+              <a:t> command above- </a:t>
+            </a:r>
+          </a:p>
+          <a:p>
+            <a:endParaRPr lang="en-GB" dirty="0"/>
+          </a:p>
+          <a:p>
+            <a:r>
+              <a:rPr lang="en-GB" dirty="0"/>
+              <a:t>Copy something FROM </a:t>
+            </a:r>
+            <a:r>
+              <a:rPr lang="en-GB" dirty="0" err="1"/>
+              <a:t>marvin</a:t>
+            </a:r>
+            <a:r>
+              <a:rPr lang="en-GB" dirty="0"/>
+              <a:t> TO your machine. For this, the reverse</a:t>
+            </a:r>
+          </a:p>
+          <a:p>
+            <a:r>
+              <a:rPr lang="en-GB" dirty="0"/>
+              <a:t>enter </a:t>
+            </a:r>
+            <a:r>
+              <a:rPr lang="en-GB" dirty="0" err="1"/>
+              <a:t>marvin</a:t>
+            </a:r>
+            <a:r>
+              <a:rPr lang="en-GB" dirty="0"/>
+              <a:t> and type: </a:t>
+            </a:r>
+          </a:p>
+          <a:p>
+            <a:pPr marL="0" indent="0">
+              <a:buNone/>
+            </a:pPr>
+            <a:r>
+              <a:rPr lang="en-GB" dirty="0" err="1">
+                <a:solidFill>
+                  <a:srgbClr val="0070C0"/>
+                </a:solidFill>
+              </a:rPr>
+              <a:t>scp</a:t>
             </a:r>
             <a:r>
               <a:rPr lang="en-GB" dirty="0">
                 <a:solidFill>
-                  <a:srgbClr val="FF0000"/>
-                </a:solidFill>
-              </a:rPr>
-              <a:t>4_Shell_scripting.pptx</a:t>
-            </a:r>
-            <a:r>
-              <a:rPr lang="en-GB" dirty="0"/>
-              <a:t>)</a:t>
-            </a:r>
-          </a:p>
-          <a:p>
-            <a:pPr marL="0" indent="0">
-              <a:buNone/>
-            </a:pPr>
-            <a:endParaRPr lang="en-GB" dirty="0"/>
+                  <a:srgbClr val="0070C0"/>
+                </a:solidFill>
+              </a:rPr>
+              <a:t> -</a:t>
+            </a:r>
+            <a:r>
+              <a:rPr lang="en-GB" dirty="0" err="1">
+                <a:solidFill>
+                  <a:srgbClr val="0070C0"/>
+                </a:solidFill>
+              </a:rPr>
+              <a:t>rp</a:t>
+            </a:r>
+            <a:r>
+              <a:rPr lang="en-GB" dirty="0">
+                <a:solidFill>
+                  <a:srgbClr val="0070C0"/>
+                </a:solidFill>
+              </a:rPr>
+              <a:t> &lt;</a:t>
+            </a:r>
+            <a:r>
+              <a:rPr lang="en-GB" dirty="0" err="1">
+                <a:solidFill>
+                  <a:srgbClr val="0070C0"/>
+                </a:solidFill>
+              </a:rPr>
+              <a:t>directoryname</a:t>
+            </a:r>
+            <a:r>
+              <a:rPr lang="en-GB" dirty="0">
+                <a:solidFill>
+                  <a:srgbClr val="0070C0"/>
+                </a:solidFill>
+              </a:rPr>
+              <a:t>&gt; &lt;</a:t>
+            </a:r>
+            <a:r>
+              <a:rPr lang="en-GB" dirty="0" err="1">
+                <a:solidFill>
+                  <a:srgbClr val="0070C0"/>
+                </a:solidFill>
+              </a:rPr>
+              <a:t>username_on_your_computer</a:t>
+            </a:r>
+            <a:r>
+              <a:rPr lang="en-GB" dirty="0">
+                <a:solidFill>
+                  <a:srgbClr val="0070C0"/>
+                </a:solidFill>
+              </a:rPr>
+              <a:t>&gt;@&lt;</a:t>
+            </a:r>
+            <a:r>
+              <a:rPr lang="en-GB" dirty="0" err="1">
+                <a:solidFill>
+                  <a:srgbClr val="0070C0"/>
+                </a:solidFill>
+              </a:rPr>
+              <a:t>IP_number_of_your_computer</a:t>
+            </a:r>
+            <a:r>
+              <a:rPr lang="en-GB" dirty="0">
+                <a:solidFill>
+                  <a:srgbClr val="0070C0"/>
+                </a:solidFill>
+              </a:rPr>
+              <a:t>&gt;:/&lt;/desired/</a:t>
+            </a:r>
+            <a:r>
+              <a:rPr lang="en-GB" dirty="0" err="1">
+                <a:solidFill>
+                  <a:srgbClr val="0070C0"/>
+                </a:solidFill>
+              </a:rPr>
+              <a:t>path_on_your_computer</a:t>
+            </a:r>
+            <a:r>
+              <a:rPr lang="en-GB" dirty="0">
+                <a:solidFill>
+                  <a:srgbClr val="0070C0"/>
+                </a:solidFill>
+              </a:rPr>
+              <a:t>&gt;</a:t>
+            </a:r>
           </a:p>
         </p:txBody>
       </p:sp>
     </p:spTree>
     <p:extLst>
       <p:ext uri="{BB962C8B-B14F-4D97-AF65-F5344CB8AC3E}">
-        <p14:creationId xmlns:p14="http://schemas.microsoft.com/office/powerpoint/2010/main" val="1709596038"/>
+        <p14:creationId xmlns:p14="http://schemas.microsoft.com/office/powerpoint/2010/main" val="3983433020"/>
       </p:ext>
     </p:extLst>
   </p:cSld>
@@ -6217,7 +5601,7 @@
           <p:cNvPr id="2" name="Title 1">
             <a:extLst>
               <a:ext uri="{FF2B5EF4-FFF2-40B4-BE49-F238E27FC236}">
-                <a16:creationId xmlns:a16="http://schemas.microsoft.com/office/drawing/2014/main" id="{F08C7102-A670-4959-9B22-1073D9E41E09}"/>
+                <a16:creationId xmlns:a16="http://schemas.microsoft.com/office/drawing/2014/main" id="{4CF6A127-5823-48BA-A536-7CC0BA1662E1}"/>
               </a:ext>
             </a:extLst>
           </p:cNvPr>
@@ -6230,106 +5614,217 @@
         </p:nvSpPr>
         <p:spPr>
           <a:xfrm>
-            <a:off x="838200" y="18255"/>
+            <a:off x="453325" y="308673"/>
             <a:ext cx="10515600" cy="1325563"/>
           </a:xfrm>
         </p:spPr>
         <p:txBody>
-          <a:bodyPr/>
-          <a:lstStyle/>
-          <a:p>
-            <a:pPr algn="ctr"/>
-            <a:r>
-              <a:rPr lang="en-GB" dirty="0">
-                <a:solidFill>
-                  <a:srgbClr val="7030A0"/>
-                </a:solidFill>
-              </a:rPr>
-              <a:t>5) </a:t>
-            </a:r>
-            <a:r>
-              <a:rPr lang="en-GB" dirty="0" err="1">
-                <a:solidFill>
-                  <a:srgbClr val="7030A0"/>
-                </a:solidFill>
-              </a:rPr>
-              <a:t>qsub</a:t>
-            </a:r>
-            <a:r>
-              <a:rPr lang="en-GB" dirty="0">
-                <a:solidFill>
-                  <a:srgbClr val="7030A0"/>
-                </a:solidFill>
-              </a:rPr>
-              <a:t>: submitting jobs to the server. </a:t>
-            </a:r>
-          </a:p>
-        </p:txBody>
-      </p:sp>
-      <p:sp>
-        <p:nvSpPr>
-          <p:cNvPr id="3" name="Content Placeholder 2">
-            <a:extLst>
-              <a:ext uri="{FF2B5EF4-FFF2-40B4-BE49-F238E27FC236}">
-                <a16:creationId xmlns:a16="http://schemas.microsoft.com/office/drawing/2014/main" id="{2015C571-0C43-419D-858F-E0C92AACE419}"/>
-              </a:ext>
-            </a:extLst>
-          </p:cNvPr>
-          <p:cNvSpPr>
-            <a:spLocks noGrp="1"/>
-          </p:cNvSpPr>
-          <p:nvPr>
-            <p:ph idx="1"/>
-          </p:nvPr>
-        </p:nvSpPr>
-        <p:spPr>
-          <a:xfrm>
-            <a:off x="431800" y="1343818"/>
-            <a:ext cx="11315700" cy="5222082"/>
-          </a:xfrm>
-        </p:spPr>
-        <p:txBody>
           <a:bodyPr>
             <a:normAutofit/>
           </a:bodyPr>
           <a:lstStyle/>
           <a:p>
-            <a:r>
-              <a:rPr lang="en-GB" dirty="0"/>
-              <a:t>Now we have learnt how to write shell scripts, we can now submit jobs to the cluster via </a:t>
-            </a:r>
-            <a:r>
-              <a:rPr lang="en-GB" dirty="0" err="1"/>
-              <a:t>qsub</a:t>
+            <a:pPr algn="ctr"/>
+            <a:r>
+              <a:rPr lang="en-GB" dirty="0">
+                <a:solidFill>
+                  <a:srgbClr val="7030A0"/>
+                </a:solidFill>
+              </a:rPr>
+              <a:t>8) Downloading:  </a:t>
+            </a:r>
+            <a:r>
+              <a:rPr lang="en-GB" b="1" dirty="0">
+                <a:solidFill>
+                  <a:srgbClr val="7030A0"/>
+                </a:solidFill>
+              </a:rPr>
+              <a:t>transfer files </a:t>
+            </a:r>
+            <a:r>
+              <a:rPr lang="en-GB" b="1" dirty="0" err="1">
+                <a:solidFill>
+                  <a:srgbClr val="7030A0"/>
+                </a:solidFill>
+              </a:rPr>
+              <a:t>Filezilla</a:t>
+            </a:r>
+            <a:r>
+              <a:rPr lang="en-GB" b="1" dirty="0">
+                <a:solidFill>
+                  <a:srgbClr val="7030A0"/>
+                </a:solidFill>
+              </a:rPr>
+              <a:t> </a:t>
+            </a:r>
+            <a:r>
+              <a:rPr lang="en-GB" sz="3200" dirty="0">
+                <a:solidFill>
+                  <a:srgbClr val="7030A0"/>
+                </a:solidFill>
+              </a:rPr>
+              <a:t>https://filezilla-project.org/download.php</a:t>
+            </a:r>
+            <a:endParaRPr lang="en-GB" dirty="0">
+              <a:solidFill>
+                <a:srgbClr val="7030A0"/>
+              </a:solidFill>
+            </a:endParaRPr>
+          </a:p>
+        </p:txBody>
+      </p:sp>
+      <p:sp>
+        <p:nvSpPr>
+          <p:cNvPr id="3" name="Content Placeholder 2">
+            <a:extLst>
+              <a:ext uri="{FF2B5EF4-FFF2-40B4-BE49-F238E27FC236}">
+                <a16:creationId xmlns:a16="http://schemas.microsoft.com/office/drawing/2014/main" id="{8A109800-2B21-462F-B38A-D835F2CD475C}"/>
+              </a:ext>
+            </a:extLst>
+          </p:cNvPr>
+          <p:cNvSpPr>
+            <a:spLocks noGrp="1"/>
+          </p:cNvSpPr>
+          <p:nvPr>
+            <p:ph idx="1"/>
+          </p:nvPr>
+        </p:nvSpPr>
+        <p:spPr>
+          <a:xfrm>
+            <a:off x="3209117" y="1985799"/>
+            <a:ext cx="11801475" cy="4351338"/>
+          </a:xfrm>
+        </p:spPr>
+        <p:txBody>
+          <a:bodyPr>
+            <a:normAutofit/>
+          </a:bodyPr>
+          <a:lstStyle/>
+          <a:p>
+            <a:pPr marL="0" indent="0">
+              <a:buNone/>
+            </a:pPr>
+            <a:r>
+              <a:rPr lang="en-GB" b="1" dirty="0"/>
+              <a:t>Step 1. Open host </a:t>
             </a:r>
             <a:endParaRPr lang="en-GB" dirty="0"/>
           </a:p>
           <a:p>
-            <a:r>
-              <a:rPr lang="en-GB" dirty="0"/>
-              <a:t>Open </a:t>
-            </a:r>
-            <a:r>
-              <a:rPr lang="en-GB" dirty="0">
-                <a:solidFill>
-                  <a:srgbClr val="FF0000"/>
-                </a:solidFill>
-              </a:rPr>
-              <a:t>5_qsub.pptx</a:t>
-            </a:r>
-          </a:p>
-          <a:p>
             <a:pPr marL="0" indent="0">
               <a:buNone/>
             </a:pPr>
-            <a:endParaRPr lang="en-GB" dirty="0"/>
-          </a:p>
-        </p:txBody>
-      </p:sp>
+            <a:endParaRPr lang="en-GB" dirty="0">
+              <a:solidFill>
+                <a:srgbClr val="0070C0"/>
+              </a:solidFill>
+            </a:endParaRPr>
+          </a:p>
+        </p:txBody>
+      </p:sp>
+      <p:pic>
+        <p:nvPicPr>
+          <p:cNvPr id="1026" name="Picture 1" descr="image002">
+            <a:extLst>
+              <a:ext uri="{FF2B5EF4-FFF2-40B4-BE49-F238E27FC236}">
+                <a16:creationId xmlns:a16="http://schemas.microsoft.com/office/drawing/2014/main" id="{0E72B09C-F1CB-443A-A814-56095384A36E}"/>
+              </a:ext>
+            </a:extLst>
+          </p:cNvPr>
+          <p:cNvPicPr>
+            <a:picLocks noChangeAspect="1" noChangeArrowheads="1"/>
+          </p:cNvPicPr>
+          <p:nvPr/>
+        </p:nvPicPr>
+        <p:blipFill>
+          <a:blip r:embed="rId2">
+            <a:extLst>
+              <a:ext uri="{28A0092B-C50C-407E-A947-70E740481C1C}">
+                <a14:useLocalDpi xmlns:a14="http://schemas.microsoft.com/office/drawing/2010/main" val="0"/>
+              </a:ext>
+            </a:extLst>
+          </a:blip>
+          <a:srcRect/>
+          <a:stretch>
+            <a:fillRect/>
+          </a:stretch>
+        </p:blipFill>
+        <p:spPr bwMode="auto">
+          <a:xfrm>
+            <a:off x="2281646" y="2533032"/>
+            <a:ext cx="5216548" cy="3996938"/>
+          </a:xfrm>
+          <a:prstGeom prst="rect">
+            <a:avLst/>
+          </a:prstGeom>
+          <a:noFill/>
+          <a:ln>
+            <a:noFill/>
+          </a:ln>
+          <a:extLst>
+            <a:ext uri="{909E8E84-426E-40DD-AFC4-6F175D3DCCD1}">
+              <a14:hiddenFill xmlns:a14="http://schemas.microsoft.com/office/drawing/2010/main">
+                <a:solidFill>
+                  <a:srgbClr val="FFFFFF"/>
+                </a:solidFill>
+              </a14:hiddenFill>
+            </a:ext>
+            <a:ext uri="{91240B29-F687-4F45-9708-019B960494DF}">
+              <a14:hiddenLine xmlns:a14="http://schemas.microsoft.com/office/drawing/2010/main" w="9525">
+                <a:solidFill>
+                  <a:srgbClr val="000000"/>
+                </a:solidFill>
+                <a:miter lim="800000"/>
+                <a:headEnd/>
+                <a:tailEnd/>
+              </a14:hiddenLine>
+            </a:ext>
+          </a:extLst>
+        </p:spPr>
+      </p:pic>
+      <p:cxnSp>
+        <p:nvCxnSpPr>
+          <p:cNvPr id="5" name="Straight Arrow Connector 4">
+            <a:extLst>
+              <a:ext uri="{FF2B5EF4-FFF2-40B4-BE49-F238E27FC236}">
+                <a16:creationId xmlns:a16="http://schemas.microsoft.com/office/drawing/2014/main" id="{DF00B003-8DCF-47CF-9003-E90F9E629879}"/>
+              </a:ext>
+            </a:extLst>
+          </p:cNvPr>
+          <p:cNvCxnSpPr/>
+          <p:nvPr/>
+        </p:nvCxnSpPr>
+        <p:spPr>
+          <a:xfrm flipH="1" flipV="1">
+            <a:off x="2531242" y="4344470"/>
+            <a:ext cx="4200041" cy="627681"/>
+          </a:xfrm>
+          <a:prstGeom prst="straightConnector1">
+            <a:avLst/>
+          </a:prstGeom>
+          <a:ln>
+            <a:tailEnd type="triangle"/>
+          </a:ln>
+        </p:spPr>
+        <p:style>
+          <a:lnRef idx="3">
+            <a:schemeClr val="dk1"/>
+          </a:lnRef>
+          <a:fillRef idx="0">
+            <a:schemeClr val="dk1"/>
+          </a:fillRef>
+          <a:effectRef idx="2">
+            <a:schemeClr val="dk1"/>
+          </a:effectRef>
+          <a:fontRef idx="minor">
+            <a:schemeClr val="tx1"/>
+          </a:fontRef>
+        </p:style>
+      </p:cxnSp>
     </p:spTree>
     <p:extLst>
       <p:ext uri="{BB962C8B-B14F-4D97-AF65-F5344CB8AC3E}">
-        <p14:creationId xmlns:p14="http://schemas.microsoft.com/office/powerpoint/2010/main" val="1645784545"/>
+        <p14:creationId xmlns:p14="http://schemas.microsoft.com/office/powerpoint/2010/main" val="2121122867"/>
       </p:ext>
     </p:extLst>
   </p:cSld>
@@ -6356,12 +5851,72 @@
           <a:chExt cx="0" cy="0"/>
         </a:xfrm>
       </p:grpSpPr>
+      <p:pic>
+        <p:nvPicPr>
+          <p:cNvPr id="2050" name="Picture 3" descr="image003">
+            <a:extLst>
+              <a:ext uri="{FF2B5EF4-FFF2-40B4-BE49-F238E27FC236}">
+                <a16:creationId xmlns:a16="http://schemas.microsoft.com/office/drawing/2014/main" id="{CAE54DAD-D358-48AE-8D2E-622B496E7E75}"/>
+              </a:ext>
+            </a:extLst>
+          </p:cNvPr>
+          <p:cNvPicPr>
+            <a:picLocks noChangeAspect="1" noChangeArrowheads="1"/>
+          </p:cNvPicPr>
+          <p:nvPr/>
+        </p:nvPicPr>
+        <p:blipFill>
+          <a:blip r:embed="rId2">
+            <a:extLst>
+              <a:ext uri="{28A0092B-C50C-407E-A947-70E740481C1C}">
+                <a14:useLocalDpi xmlns:a14="http://schemas.microsoft.com/office/drawing/2010/main" val="0"/>
+              </a:ext>
+            </a:extLst>
+          </a:blip>
+          <a:srcRect/>
+          <a:stretch>
+            <a:fillRect/>
+          </a:stretch>
+        </p:blipFill>
+        <p:spPr bwMode="auto">
+          <a:xfrm>
+            <a:off x="660400" y="2761672"/>
+            <a:ext cx="4521257" cy="4096327"/>
+          </a:xfrm>
+          <a:prstGeom prst="rect">
+            <a:avLst/>
+          </a:prstGeom>
+          <a:noFill/>
+          <a:ln>
+            <a:noFill/>
+          </a:ln>
+          <a:extLst>
+            <a:ext uri="{909E8E84-426E-40DD-AFC4-6F175D3DCCD1}">
+              <a14:hiddenFill xmlns:a14="http://schemas.microsoft.com/office/drawing/2010/main">
+                <a:solidFill>
+                  <a:srgbClr val="FFFFFF"/>
+                </a:solidFill>
+              </a14:hiddenFill>
+            </a:ext>
+            <a:ext uri="{91240B29-F687-4F45-9708-019B960494DF}">
+              <a14:hiddenLine xmlns:a14="http://schemas.microsoft.com/office/drawing/2010/main" w="9525">
+                <a:solidFill>
+                  <a:srgbClr val="000000"/>
+                </a:solidFill>
+                <a:miter lim="800000"/>
+                <a:headEnd/>
+                <a:tailEnd/>
+              </a14:hiddenLine>
+            </a:ext>
+          </a:extLst>
+        </p:spPr>
+      </p:pic>
       <p:sp>
         <p:nvSpPr>
           <p:cNvPr id="2" name="Title 1">
             <a:extLst>
               <a:ext uri="{FF2B5EF4-FFF2-40B4-BE49-F238E27FC236}">
-                <a16:creationId xmlns:a16="http://schemas.microsoft.com/office/drawing/2014/main" id="{542777C1-7B95-421C-B8A4-C9E15C1294EA}"/>
+                <a16:creationId xmlns:a16="http://schemas.microsoft.com/office/drawing/2014/main" id="{4CF6A127-5823-48BA-A536-7CC0BA1662E1}"/>
               </a:ext>
             </a:extLst>
           </p:cNvPr>
@@ -6372,19 +5927,46 @@
             <p:ph type="title"/>
           </p:nvPr>
         </p:nvSpPr>
-        <p:spPr/>
+        <p:spPr>
+          <a:xfrm>
+            <a:off x="469900" y="-130175"/>
+            <a:ext cx="10515600" cy="1325563"/>
+          </a:xfrm>
+        </p:spPr>
         <p:txBody>
           <a:bodyPr/>
           <a:lstStyle/>
           <a:p>
+            <a:pPr algn="ctr"/>
             <a:r>
               <a:rPr lang="en-GB" dirty="0">
                 <a:solidFill>
                   <a:srgbClr val="7030A0"/>
                 </a:solidFill>
               </a:rPr>
-              <a:t>Moving on to an actual example</a:t>
-            </a:r>
+              <a:t>8) Downloading:  </a:t>
+            </a:r>
+            <a:r>
+              <a:rPr lang="en-GB" b="1" dirty="0">
+                <a:solidFill>
+                  <a:srgbClr val="7030A0"/>
+                </a:solidFill>
+              </a:rPr>
+              <a:t>transfer files </a:t>
+            </a:r>
+            <a:r>
+              <a:rPr lang="en-GB" b="1" dirty="0" err="1">
+                <a:solidFill>
+                  <a:srgbClr val="7030A0"/>
+                </a:solidFill>
+              </a:rPr>
+              <a:t>Filezilla</a:t>
+            </a:r>
+            <a:endParaRPr lang="en-GB" b="1" dirty="0">
+              <a:solidFill>
+                <a:srgbClr val="7030A0"/>
+              </a:solidFill>
+            </a:endParaRPr>
           </a:p>
         </p:txBody>
       </p:sp>
@@ -6393,7 +5975,7 @@
           <p:cNvPr id="3" name="Content Placeholder 2">
             <a:extLst>
               <a:ext uri="{FF2B5EF4-FFF2-40B4-BE49-F238E27FC236}">
-                <a16:creationId xmlns:a16="http://schemas.microsoft.com/office/drawing/2014/main" id="{12BE9CEA-E3C0-4F60-B1CB-2D9D0E2B8A7A}"/>
+                <a16:creationId xmlns:a16="http://schemas.microsoft.com/office/drawing/2014/main" id="{8A109800-2B21-462F-B38A-D835F2CD475C}"/>
               </a:ext>
             </a:extLst>
           </p:cNvPr>
@@ -6404,62 +5986,162 @@
             <p:ph idx="1"/>
           </p:nvPr>
         </p:nvSpPr>
-        <p:spPr/>
-        <p:txBody>
-          <a:bodyPr/>
-          <a:lstStyle/>
-          <a:p>
-            <a:r>
-              <a:rPr lang="en-GB" dirty="0"/>
-              <a:t>I know there was a lot of background … but… </a:t>
-            </a:r>
-          </a:p>
-          <a:p>
-            <a:r>
-              <a:rPr lang="en-GB" dirty="0"/>
-              <a:t>Now we know how to write shell script.</a:t>
-            </a:r>
-          </a:p>
-          <a:p>
-            <a:r>
-              <a:rPr lang="en-GB" dirty="0"/>
-              <a:t>Lets do a bacterial genomes assembly as an example</a:t>
-            </a:r>
-          </a:p>
-          <a:p>
-            <a:r>
-              <a:rPr lang="en-GB" dirty="0"/>
-              <a:t>We have already looked at </a:t>
-            </a:r>
+        <p:spPr>
+          <a:xfrm>
+            <a:off x="171449" y="1195388"/>
+            <a:ext cx="11801475" cy="4351338"/>
+          </a:xfrm>
+        </p:spPr>
+        <p:txBody>
+          <a:bodyPr>
+            <a:normAutofit/>
+          </a:bodyPr>
+          <a:lstStyle/>
+          <a:p>
+            <a:r>
+              <a:rPr lang="en-GB" sz="2400" dirty="0"/>
+              <a:t>2) When the next dialogue page comes up, click on “new site” (button , not the folder). Change the Protocol to SFTP. This is essential. Fill out the rest, use this host and port: 22. </a:t>
+            </a:r>
+          </a:p>
+          <a:p>
+            <a:r>
+              <a:rPr lang="en-GB" sz="2400" dirty="0"/>
+              <a:t>Once connected, you can drag and drop files from one window to the next. </a:t>
+            </a:r>
+          </a:p>
+          <a:p>
+            <a:endParaRPr lang="en-GB" dirty="0"/>
+          </a:p>
+          <a:p>
+            <a:pPr marL="0" indent="0">
+              <a:buNone/>
+            </a:pPr>
+            <a:endParaRPr lang="en-GB" dirty="0">
+              <a:solidFill>
+                <a:srgbClr val="0070C0"/>
+              </a:solidFill>
+            </a:endParaRPr>
+          </a:p>
+        </p:txBody>
+      </p:sp>
+      <p:cxnSp>
+        <p:nvCxnSpPr>
+          <p:cNvPr id="5" name="Straight Arrow Connector 4">
+            <a:extLst>
+              <a:ext uri="{FF2B5EF4-FFF2-40B4-BE49-F238E27FC236}">
+                <a16:creationId xmlns:a16="http://schemas.microsoft.com/office/drawing/2014/main" id="{DF00B003-8DCF-47CF-9003-E90F9E629879}"/>
+              </a:ext>
+            </a:extLst>
+          </p:cNvPr>
+          <p:cNvCxnSpPr/>
+          <p:nvPr/>
+        </p:nvCxnSpPr>
+        <p:spPr>
+          <a:xfrm flipH="1" flipV="1">
+            <a:off x="1186696" y="5810874"/>
+            <a:ext cx="4200041" cy="627681"/>
+          </a:xfrm>
+          <a:prstGeom prst="straightConnector1">
+            <a:avLst/>
+          </a:prstGeom>
+          <a:ln>
+            <a:tailEnd type="triangle"/>
+          </a:ln>
+        </p:spPr>
+        <p:style>
+          <a:lnRef idx="3">
+            <a:schemeClr val="dk1"/>
+          </a:lnRef>
+          <a:fillRef idx="0">
+            <a:schemeClr val="dk1"/>
+          </a:fillRef>
+          <a:effectRef idx="2">
+            <a:schemeClr val="dk1"/>
+          </a:effectRef>
+          <a:fontRef idx="minor">
+            <a:schemeClr val="tx1"/>
+          </a:fontRef>
+        </p:style>
+      </p:cxnSp>
+      <p:cxnSp>
+        <p:nvCxnSpPr>
+          <p:cNvPr id="7" name="Straight Arrow Connector 6">
+            <a:extLst>
+              <a:ext uri="{FF2B5EF4-FFF2-40B4-BE49-F238E27FC236}">
+                <a16:creationId xmlns:a16="http://schemas.microsoft.com/office/drawing/2014/main" id="{BBCE6C30-76F0-4685-8D03-8427CD6DC575}"/>
+              </a:ext>
+            </a:extLst>
+          </p:cNvPr>
+          <p:cNvCxnSpPr/>
+          <p:nvPr/>
+        </p:nvCxnSpPr>
+        <p:spPr>
+          <a:xfrm flipH="1" flipV="1">
+            <a:off x="4377249" y="3661776"/>
+            <a:ext cx="4200041" cy="627681"/>
+          </a:xfrm>
+          <a:prstGeom prst="straightConnector1">
+            <a:avLst/>
+          </a:prstGeom>
+          <a:ln>
+            <a:tailEnd type="triangle"/>
+          </a:ln>
+        </p:spPr>
+        <p:style>
+          <a:lnRef idx="3">
+            <a:schemeClr val="dk1"/>
+          </a:lnRef>
+          <a:fillRef idx="0">
+            <a:schemeClr val="dk1"/>
+          </a:fillRef>
+          <a:effectRef idx="2">
+            <a:schemeClr val="dk1"/>
+          </a:effectRef>
+          <a:fontRef idx="minor">
+            <a:schemeClr val="tx1"/>
+          </a:fontRef>
+        </p:style>
+      </p:cxnSp>
+      <p:sp>
+        <p:nvSpPr>
+          <p:cNvPr id="4" name="TextBox 3">
+            <a:extLst>
+              <a:ext uri="{FF2B5EF4-FFF2-40B4-BE49-F238E27FC236}">
+                <a16:creationId xmlns:a16="http://schemas.microsoft.com/office/drawing/2014/main" id="{E3F3AA6E-F4AE-4BFD-B949-3E223C708E48}"/>
+              </a:ext>
+            </a:extLst>
+          </p:cNvPr>
+          <p:cNvSpPr txBox="1"/>
+          <p:nvPr/>
+        </p:nvSpPr>
+        <p:spPr>
+          <a:xfrm>
+            <a:off x="8632970" y="4161802"/>
+            <a:ext cx="1546789" cy="369332"/>
+          </a:xfrm>
+          <a:prstGeom prst="rect">
+            <a:avLst/>
+          </a:prstGeom>
+          <a:noFill/>
+        </p:spPr>
+        <p:txBody>
+          <a:bodyPr wrap="square" rtlCol="0">
+            <a:spAutoFit/>
+          </a:bodyPr>
+          <a:lstStyle/>
+          <a:p>
             <a:r>
               <a:rPr lang="en-GB" dirty="0" err="1"/>
-              <a:t>fastqc</a:t>
-            </a:r>
-            <a:r>
-              <a:rPr lang="en-GB" dirty="0"/>
-              <a:t> to qc our read files.</a:t>
-            </a:r>
-          </a:p>
-          <a:p>
-            <a:r>
-              <a:rPr lang="en-GB" dirty="0"/>
-              <a:t>Open </a:t>
-            </a:r>
-            <a:r>
-              <a:rPr lang="en-GB" dirty="0">
-                <a:solidFill>
-                  <a:srgbClr val="FF0000"/>
-                </a:solidFill>
-              </a:rPr>
-              <a:t>6_RNAseq.pptx</a:t>
-            </a:r>
+              <a:t>sfpt</a:t>
+            </a:r>
+            <a:endParaRPr lang="en-GB" dirty="0"/>
           </a:p>
         </p:txBody>
       </p:sp>
     </p:spTree>
     <p:extLst>
       <p:ext uri="{BB962C8B-B14F-4D97-AF65-F5344CB8AC3E}">
-        <p14:creationId xmlns:p14="http://schemas.microsoft.com/office/powerpoint/2010/main" val="789431044"/>
+        <p14:creationId xmlns:p14="http://schemas.microsoft.com/office/powerpoint/2010/main" val="2781623428"/>
       </p:ext>
     </p:extLst>
   </p:cSld>
@@ -6491,7 +6173,7 @@
           <p:cNvPr id="2" name="Title 1">
             <a:extLst>
               <a:ext uri="{FF2B5EF4-FFF2-40B4-BE49-F238E27FC236}">
-                <a16:creationId xmlns:a16="http://schemas.microsoft.com/office/drawing/2014/main" id="{4CF6A127-5823-48BA-A536-7CC0BA1662E1}"/>
+                <a16:creationId xmlns:a16="http://schemas.microsoft.com/office/drawing/2014/main" id="{40F48A92-1D95-4EB9-8683-671B31792834}"/>
               </a:ext>
             </a:extLst>
           </p:cNvPr>
@@ -6504,7 +6186,7 @@
         </p:nvSpPr>
         <p:spPr>
           <a:xfrm>
-            <a:off x="469900" y="-130175"/>
+            <a:off x="838200" y="-206375"/>
             <a:ext cx="10515600" cy="1325563"/>
           </a:xfrm>
         </p:spPr>
@@ -6519,24 +6201,21 @@
                   <a:srgbClr val="7030A0"/>
                 </a:solidFill>
               </a:rPr>
-              <a:t>8) Downloading:  </a:t>
-            </a:r>
-            <a:r>
-              <a:rPr lang="en-GB" b="1" dirty="0" err="1">
+              <a:t>9) Advanced: .</a:t>
+            </a:r>
+            <a:r>
+              <a:rPr lang="en-GB" dirty="0" err="1">
                 <a:solidFill>
                   <a:srgbClr val="7030A0"/>
                 </a:solidFill>
               </a:rPr>
-              <a:t>scp</a:t>
-            </a:r>
-            <a:r>
-              <a:rPr lang="en-GB" b="1" dirty="0">
-                <a:solidFill>
-                  <a:srgbClr val="7030A0"/>
-                </a:solidFill>
-              </a:rPr>
-              <a:t> - transfer files</a:t>
-            </a:r>
+              <a:t>bash_profile</a:t>
+            </a:r>
+            <a:endParaRPr lang="en-GB" dirty="0">
+              <a:solidFill>
+                <a:srgbClr val="7030A0"/>
+              </a:solidFill>
+            </a:endParaRPr>
           </a:p>
         </p:txBody>
       </p:sp>
@@ -6545,7 +6224,7 @@
           <p:cNvPr id="3" name="Content Placeholder 2">
             <a:extLst>
               <a:ext uri="{FF2B5EF4-FFF2-40B4-BE49-F238E27FC236}">
-                <a16:creationId xmlns:a16="http://schemas.microsoft.com/office/drawing/2014/main" id="{8A109800-2B21-462F-B38A-D835F2CD475C}"/>
+                <a16:creationId xmlns:a16="http://schemas.microsoft.com/office/drawing/2014/main" id="{E463A3D9-5893-48D9-9587-197FED671999}"/>
               </a:ext>
             </a:extLst>
           </p:cNvPr>
@@ -6558,8 +6237,8 @@
         </p:nvSpPr>
         <p:spPr>
           <a:xfrm>
-            <a:off x="171449" y="1195388"/>
-            <a:ext cx="11801475" cy="4351338"/>
+            <a:off x="152400" y="827088"/>
+            <a:ext cx="11671300" cy="5789612"/>
           </a:xfrm>
         </p:spPr>
         <p:txBody>
@@ -6568,182 +6247,254 @@
           </a:bodyPr>
           <a:lstStyle/>
           <a:p>
+            <a:r>
+              <a:rPr lang="en-GB" dirty="0"/>
+              <a:t>This is beyond a beginners course, but just to make you aware of it…</a:t>
+            </a:r>
+          </a:p>
+          <a:p>
+            <a:r>
+              <a:rPr lang="en-GB" dirty="0"/>
+              <a:t>Type:  </a:t>
+            </a:r>
+            <a:r>
+              <a:rPr lang="en-GB" dirty="0">
+                <a:solidFill>
+                  <a:srgbClr val="0070C0"/>
+                </a:solidFill>
+              </a:rPr>
+              <a:t>more ~/.</a:t>
+            </a:r>
+            <a:r>
+              <a:rPr lang="en-GB" dirty="0" err="1">
+                <a:solidFill>
+                  <a:srgbClr val="0070C0"/>
+                </a:solidFill>
+              </a:rPr>
+              <a:t>bash_profile</a:t>
+            </a:r>
+            <a:endParaRPr lang="en-GB" dirty="0">
+              <a:solidFill>
+                <a:srgbClr val="0070C0"/>
+              </a:solidFill>
+            </a:endParaRPr>
+          </a:p>
+          <a:p>
+            <a:r>
+              <a:rPr lang="en-GB" dirty="0"/>
+              <a:t>This is where you can tell the server to </a:t>
+            </a:r>
+          </a:p>
+          <a:p>
             <a:pPr marL="0" indent="0">
               <a:buNone/>
             </a:pPr>
             <a:r>
-              <a:rPr lang="en-GB" dirty="0" err="1">
-                <a:solidFill>
-                  <a:srgbClr val="0070C0"/>
-                </a:solidFill>
-              </a:rPr>
-              <a:t>scp</a:t>
-            </a:r>
-            <a:r>
-              <a:rPr lang="en-GB" dirty="0">
-                <a:solidFill>
-                  <a:srgbClr val="0070C0"/>
-                </a:solidFill>
-              </a:rPr>
-              <a:t> &lt;filename&gt; &lt;username&gt;@marvin.st-andrews.ac.uk:~ </a:t>
-            </a:r>
-          </a:p>
-          <a:p>
-            <a:r>
               <a:rPr lang="en-GB" dirty="0"/>
-              <a:t>To copy an entire directory, you need to add the </a:t>
-            </a:r>
-            <a:r>
-              <a:rPr lang="en-GB" dirty="0">
-                <a:solidFill>
-                  <a:srgbClr val="0070C0"/>
-                </a:solidFill>
-              </a:rPr>
-              <a:t>-r</a:t>
-            </a:r>
+              <a:t>“look for programs”, set environmental</a:t>
+            </a:r>
+          </a:p>
+          <a:p>
+            <a:pPr marL="0" indent="0">
+              <a:buNone/>
+            </a:pPr>
             <a:r>
               <a:rPr lang="en-GB" dirty="0"/>
-              <a:t> to the </a:t>
+              <a:t>variables, and other magic!!</a:t>
+            </a:r>
+          </a:p>
+          <a:p>
+            <a:r>
+              <a:rPr lang="en-GB" dirty="0"/>
+              <a:t>I put the latest BLAST in, with </a:t>
             </a:r>
             <a:r>
               <a:rPr lang="en-GB" dirty="0" err="1"/>
-              <a:t>scp</a:t>
+              <a:t>db</a:t>
             </a:r>
             <a:r>
               <a:rPr lang="en-GB" dirty="0"/>
-              <a:t> command above- </a:t>
-            </a:r>
-          </a:p>
-          <a:p>
+              <a:t>:</a:t>
+            </a:r>
+          </a:p>
+          <a:p>
+            <a:pPr marL="0" indent="0">
+              <a:buNone/>
+            </a:pPr>
+            <a:r>
+              <a:rPr lang="en-GB" sz="2000" dirty="0">
+                <a:solidFill>
+                  <a:srgbClr val="FF0000"/>
+                </a:solidFill>
+              </a:rPr>
+              <a:t>export PATH=/shelf/apps/ncbi-blast-2.7.1+/bin/:$PATH</a:t>
+            </a:r>
+          </a:p>
+          <a:p>
+            <a:pPr marL="0" indent="0">
+              <a:buNone/>
+            </a:pPr>
+            <a:r>
+              <a:rPr lang="en-GB" sz="2000" dirty="0"/>
+              <a:t># this is where the </a:t>
+            </a:r>
+            <a:r>
+              <a:rPr lang="en-GB" sz="2000" dirty="0" err="1"/>
+              <a:t>nr</a:t>
+            </a:r>
+            <a:r>
+              <a:rPr lang="en-GB" sz="2000" dirty="0"/>
+              <a:t>, </a:t>
+            </a:r>
+            <a:r>
+              <a:rPr lang="en-GB" sz="2000" dirty="0" err="1"/>
+              <a:t>nt</a:t>
+            </a:r>
+            <a:r>
+              <a:rPr lang="en-GB" sz="2000" dirty="0"/>
+              <a:t>, diamond </a:t>
+            </a:r>
+            <a:r>
+              <a:rPr lang="en-GB" sz="2000" dirty="0" err="1"/>
+              <a:t>db</a:t>
+            </a:r>
+            <a:r>
+              <a:rPr lang="en-GB" sz="2000" dirty="0"/>
+              <a:t> are</a:t>
+            </a:r>
+          </a:p>
+          <a:p>
+            <a:pPr marL="0" indent="0">
+              <a:buNone/>
+            </a:pPr>
+            <a:r>
+              <a:rPr lang="en-GB" sz="2000" dirty="0">
+                <a:solidFill>
+                  <a:srgbClr val="FF0000"/>
+                </a:solidFill>
+              </a:rPr>
+              <a:t>export BLASTDB=/shelf/public/</a:t>
+            </a:r>
+            <a:r>
+              <a:rPr lang="en-GB" sz="2000" dirty="0" err="1">
+                <a:solidFill>
+                  <a:srgbClr val="FF0000"/>
+                </a:solidFill>
+              </a:rPr>
+              <a:t>blastntnr</a:t>
+            </a:r>
+            <a:r>
+              <a:rPr lang="en-GB" sz="2000" dirty="0">
+                <a:solidFill>
+                  <a:srgbClr val="FF0000"/>
+                </a:solidFill>
+              </a:rPr>
+              <a:t>/</a:t>
+            </a:r>
+            <a:r>
+              <a:rPr lang="en-GB" sz="2000" dirty="0" err="1">
+                <a:solidFill>
+                  <a:srgbClr val="FF0000"/>
+                </a:solidFill>
+              </a:rPr>
+              <a:t>blastDatabases</a:t>
+            </a:r>
+            <a:endParaRPr lang="en-GB" sz="2000" dirty="0">
+              <a:solidFill>
+                <a:srgbClr val="FF0000"/>
+              </a:solidFill>
+            </a:endParaRPr>
+          </a:p>
+          <a:p>
+            <a:pPr marL="0" indent="0">
+              <a:buNone/>
+            </a:pPr>
             <a:endParaRPr lang="en-GB" dirty="0"/>
           </a:p>
           <a:p>
-            <a:r>
-              <a:rPr lang="en-GB" dirty="0"/>
-              <a:t>Copy something FROM </a:t>
-            </a:r>
-            <a:r>
-              <a:rPr lang="en-GB" dirty="0" err="1"/>
-              <a:t>marvin</a:t>
-            </a:r>
-            <a:r>
-              <a:rPr lang="en-GB" dirty="0"/>
-              <a:t> TO your machine. For this, the reverse</a:t>
-            </a:r>
-          </a:p>
-          <a:p>
-            <a:r>
-              <a:rPr lang="en-GB" dirty="0"/>
-              <a:t>enter </a:t>
-            </a:r>
-            <a:r>
-              <a:rPr lang="en-GB" dirty="0" err="1"/>
-              <a:t>marvin</a:t>
-            </a:r>
-            <a:r>
-              <a:rPr lang="en-GB" dirty="0"/>
-              <a:t> and type: </a:t>
-            </a:r>
-          </a:p>
-          <a:p>
             <a:pPr marL="0" indent="0">
               <a:buNone/>
             </a:pPr>
-            <a:r>
-              <a:rPr lang="en-GB" dirty="0" err="1">
-                <a:solidFill>
-                  <a:srgbClr val="0070C0"/>
-                </a:solidFill>
-              </a:rPr>
-              <a:t>scp</a:t>
-            </a:r>
-            <a:r>
-              <a:rPr lang="en-GB" dirty="0">
-                <a:solidFill>
-                  <a:srgbClr val="0070C0"/>
-                </a:solidFill>
-              </a:rPr>
-              <a:t> -</a:t>
-            </a:r>
-            <a:r>
-              <a:rPr lang="en-GB" dirty="0" err="1">
-                <a:solidFill>
-                  <a:srgbClr val="0070C0"/>
-                </a:solidFill>
-              </a:rPr>
-              <a:t>rp</a:t>
-            </a:r>
-            <a:r>
-              <a:rPr lang="en-GB" dirty="0">
-                <a:solidFill>
-                  <a:srgbClr val="0070C0"/>
-                </a:solidFill>
-              </a:rPr>
-              <a:t> &lt;</a:t>
-            </a:r>
-            <a:r>
-              <a:rPr lang="en-GB" dirty="0" err="1">
-                <a:solidFill>
-                  <a:srgbClr val="0070C0"/>
-                </a:solidFill>
-              </a:rPr>
-              <a:t>directoryname</a:t>
-            </a:r>
-            <a:r>
-              <a:rPr lang="en-GB" dirty="0">
-                <a:solidFill>
-                  <a:srgbClr val="0070C0"/>
-                </a:solidFill>
-              </a:rPr>
-              <a:t>&gt; &lt;</a:t>
-            </a:r>
-            <a:r>
-              <a:rPr lang="en-GB" dirty="0" err="1">
-                <a:solidFill>
-                  <a:srgbClr val="0070C0"/>
-                </a:solidFill>
-              </a:rPr>
-              <a:t>username_on_your_computer</a:t>
-            </a:r>
-            <a:r>
-              <a:rPr lang="en-GB" dirty="0">
-                <a:solidFill>
-                  <a:srgbClr val="0070C0"/>
-                </a:solidFill>
-              </a:rPr>
-              <a:t>&gt;@&lt;</a:t>
-            </a:r>
-            <a:r>
-              <a:rPr lang="en-GB" dirty="0" err="1">
-                <a:solidFill>
-                  <a:srgbClr val="0070C0"/>
-                </a:solidFill>
-              </a:rPr>
-              <a:t>IP_number_of_your_computer</a:t>
-            </a:r>
-            <a:r>
-              <a:rPr lang="en-GB" dirty="0">
-                <a:solidFill>
-                  <a:srgbClr val="0070C0"/>
-                </a:solidFill>
-              </a:rPr>
-              <a:t>&gt;:/&lt;/desired/</a:t>
-            </a:r>
-            <a:r>
-              <a:rPr lang="en-GB" dirty="0" err="1">
-                <a:solidFill>
-                  <a:srgbClr val="0070C0"/>
-                </a:solidFill>
-              </a:rPr>
-              <a:t>path_on_your_computer</a:t>
-            </a:r>
-            <a:r>
-              <a:rPr lang="en-GB" dirty="0">
-                <a:solidFill>
-                  <a:srgbClr val="0070C0"/>
-                </a:solidFill>
-              </a:rPr>
-              <a:t>&gt;</a:t>
+            <a:endParaRPr lang="en-GB" dirty="0"/>
+          </a:p>
+          <a:p>
+            <a:endParaRPr lang="en-GB" dirty="0"/>
+          </a:p>
+        </p:txBody>
+      </p:sp>
+      <p:pic>
+        <p:nvPicPr>
+          <p:cNvPr id="4" name="Picture 3">
+            <a:extLst>
+              <a:ext uri="{FF2B5EF4-FFF2-40B4-BE49-F238E27FC236}">
+                <a16:creationId xmlns:a16="http://schemas.microsoft.com/office/drawing/2014/main" id="{8E5F8CE5-AA53-4E8A-A9F4-8064AF3A4148}"/>
+              </a:ext>
+            </a:extLst>
+          </p:cNvPr>
+          <p:cNvPicPr>
+            <a:picLocks noChangeAspect="1"/>
+          </p:cNvPicPr>
+          <p:nvPr/>
+        </p:nvPicPr>
+        <p:blipFill rotWithShape="1">
+          <a:blip r:embed="rId2">
+            <a:extLst>
+              <a:ext uri="{28A0092B-C50C-407E-A947-70E740481C1C}">
+                <a14:useLocalDpi xmlns:a14="http://schemas.microsoft.com/office/drawing/2010/main" val="0"/>
+              </a:ext>
+            </a:extLst>
+          </a:blip>
+          <a:srcRect/>
+          <a:stretch/>
+        </p:blipFill>
+        <p:spPr>
+          <a:xfrm>
+            <a:off x="6322774" y="1430031"/>
+            <a:ext cx="8294926" cy="5186669"/>
+          </a:xfrm>
+          <a:prstGeom prst="rect">
+            <a:avLst/>
+          </a:prstGeom>
+        </p:spPr>
+      </p:pic>
+      <p:sp>
+        <p:nvSpPr>
+          <p:cNvPr id="5" name="TextBox 4">
+            <a:extLst>
+              <a:ext uri="{FF2B5EF4-FFF2-40B4-BE49-F238E27FC236}">
+                <a16:creationId xmlns:a16="http://schemas.microsoft.com/office/drawing/2014/main" id="{5005C2C8-5253-4293-8CAD-9EDB25A4B4E6}"/>
+              </a:ext>
+            </a:extLst>
+          </p:cNvPr>
+          <p:cNvSpPr txBox="1"/>
+          <p:nvPr/>
+        </p:nvSpPr>
+        <p:spPr>
+          <a:xfrm>
+            <a:off x="10576392" y="139561"/>
+            <a:ext cx="1663700" cy="523220"/>
+          </a:xfrm>
+          <a:prstGeom prst="rect">
+            <a:avLst/>
+          </a:prstGeom>
+          <a:noFill/>
+        </p:spPr>
+        <p:txBody>
+          <a:bodyPr wrap="square" rtlCol="0">
+            <a:spAutoFit/>
+          </a:bodyPr>
+          <a:lstStyle/>
+          <a:p>
+            <a:r>
+              <a:rPr lang="en-GB" sz="2800" dirty="0">
+                <a:solidFill>
+                  <a:srgbClr val="FF0000"/>
+                </a:solidFill>
+                <a:highlight>
+                  <a:srgbClr val="FFFF00"/>
+                </a:highlight>
+              </a:rPr>
+              <a:t>ACTIVITY</a:t>
             </a:r>
           </a:p>
         </p:txBody>
@@ -6751,7 +6502,7 @@
     </p:spTree>
     <p:extLst>
       <p:ext uri="{BB962C8B-B14F-4D97-AF65-F5344CB8AC3E}">
-        <p14:creationId xmlns:p14="http://schemas.microsoft.com/office/powerpoint/2010/main" val="3983433020"/>
+        <p14:creationId xmlns:p14="http://schemas.microsoft.com/office/powerpoint/2010/main" val="1379148863"/>
       </p:ext>
     </p:extLst>
   </p:cSld>

--- a/powerpoint/1_RNAseq_workshop.pptx
+++ b/powerpoint/1_RNAseq_workshop.pptx
@@ -7,18 +7,17 @@
   <p:sldIdLst>
     <p:sldId id="256" r:id="rId2"/>
     <p:sldId id="347" r:id="rId3"/>
-    <p:sldId id="309" r:id="rId4"/>
-    <p:sldId id="331" r:id="rId5"/>
-    <p:sldId id="325" r:id="rId6"/>
-    <p:sldId id="289" r:id="rId7"/>
-    <p:sldId id="338" r:id="rId8"/>
-    <p:sldId id="339" r:id="rId9"/>
-    <p:sldId id="307" r:id="rId10"/>
-    <p:sldId id="311" r:id="rId11"/>
-    <p:sldId id="337" r:id="rId12"/>
-    <p:sldId id="318" r:id="rId13"/>
-    <p:sldId id="269" r:id="rId14"/>
-    <p:sldId id="285" r:id="rId15"/>
+    <p:sldId id="331" r:id="rId4"/>
+    <p:sldId id="325" r:id="rId5"/>
+    <p:sldId id="289" r:id="rId6"/>
+    <p:sldId id="338" r:id="rId7"/>
+    <p:sldId id="339" r:id="rId8"/>
+    <p:sldId id="307" r:id="rId9"/>
+    <p:sldId id="311" r:id="rId10"/>
+    <p:sldId id="337" r:id="rId11"/>
+    <p:sldId id="318" r:id="rId12"/>
+    <p:sldId id="269" r:id="rId13"/>
+    <p:sldId id="285" r:id="rId14"/>
   </p:sldIdLst>
   <p:sldSz cx="12192000" cy="6858000"/>
   <p:notesSz cx="6858000" cy="9144000"/>
@@ -274,7 +273,7 @@
           <a:p>
             <a:fld id="{DEABCE53-1D99-4BEE-AE28-D2367C4FBEC7}" type="datetimeFigureOut">
               <a:rPr lang="en-GB" smtClean="0"/>
-              <a:t>13/10/2020</a:t>
+              <a:t>14/10/2020</a:t>
             </a:fld>
             <a:endParaRPr lang="en-GB"/>
           </a:p>
@@ -474,7 +473,7 @@
           <a:p>
             <a:fld id="{DEABCE53-1D99-4BEE-AE28-D2367C4FBEC7}" type="datetimeFigureOut">
               <a:rPr lang="en-GB" smtClean="0"/>
-              <a:t>13/10/2020</a:t>
+              <a:t>14/10/2020</a:t>
             </a:fld>
             <a:endParaRPr lang="en-GB"/>
           </a:p>
@@ -684,7 +683,7 @@
           <a:p>
             <a:fld id="{DEABCE53-1D99-4BEE-AE28-D2367C4FBEC7}" type="datetimeFigureOut">
               <a:rPr lang="en-GB" smtClean="0"/>
-              <a:t>13/10/2020</a:t>
+              <a:t>14/10/2020</a:t>
             </a:fld>
             <a:endParaRPr lang="en-GB"/>
           </a:p>
@@ -884,7 +883,7 @@
           <a:p>
             <a:fld id="{DEABCE53-1D99-4BEE-AE28-D2367C4FBEC7}" type="datetimeFigureOut">
               <a:rPr lang="en-GB" smtClean="0"/>
-              <a:t>13/10/2020</a:t>
+              <a:t>14/10/2020</a:t>
             </a:fld>
             <a:endParaRPr lang="en-GB"/>
           </a:p>
@@ -1160,7 +1159,7 @@
           <a:p>
             <a:fld id="{DEABCE53-1D99-4BEE-AE28-D2367C4FBEC7}" type="datetimeFigureOut">
               <a:rPr lang="en-GB" smtClean="0"/>
-              <a:t>13/10/2020</a:t>
+              <a:t>14/10/2020</a:t>
             </a:fld>
             <a:endParaRPr lang="en-GB"/>
           </a:p>
@@ -1428,7 +1427,7 @@
           <a:p>
             <a:fld id="{DEABCE53-1D99-4BEE-AE28-D2367C4FBEC7}" type="datetimeFigureOut">
               <a:rPr lang="en-GB" smtClean="0"/>
-              <a:t>13/10/2020</a:t>
+              <a:t>14/10/2020</a:t>
             </a:fld>
             <a:endParaRPr lang="en-GB"/>
           </a:p>
@@ -1843,7 +1842,7 @@
           <a:p>
             <a:fld id="{DEABCE53-1D99-4BEE-AE28-D2367C4FBEC7}" type="datetimeFigureOut">
               <a:rPr lang="en-GB" smtClean="0"/>
-              <a:t>13/10/2020</a:t>
+              <a:t>14/10/2020</a:t>
             </a:fld>
             <a:endParaRPr lang="en-GB"/>
           </a:p>
@@ -1985,7 +1984,7 @@
           <a:p>
             <a:fld id="{DEABCE53-1D99-4BEE-AE28-D2367C4FBEC7}" type="datetimeFigureOut">
               <a:rPr lang="en-GB" smtClean="0"/>
-              <a:t>13/10/2020</a:t>
+              <a:t>14/10/2020</a:t>
             </a:fld>
             <a:endParaRPr lang="en-GB"/>
           </a:p>
@@ -2098,7 +2097,7 @@
           <a:p>
             <a:fld id="{DEABCE53-1D99-4BEE-AE28-D2367C4FBEC7}" type="datetimeFigureOut">
               <a:rPr lang="en-GB" smtClean="0"/>
-              <a:t>13/10/2020</a:t>
+              <a:t>14/10/2020</a:t>
             </a:fld>
             <a:endParaRPr lang="en-GB"/>
           </a:p>
@@ -2411,7 +2410,7 @@
           <a:p>
             <a:fld id="{DEABCE53-1D99-4BEE-AE28-D2367C4FBEC7}" type="datetimeFigureOut">
               <a:rPr lang="en-GB" smtClean="0"/>
-              <a:t>13/10/2020</a:t>
+              <a:t>14/10/2020</a:t>
             </a:fld>
             <a:endParaRPr lang="en-GB"/>
           </a:p>
@@ -2700,7 +2699,7 @@
           <a:p>
             <a:fld id="{DEABCE53-1D99-4BEE-AE28-D2367C4FBEC7}" type="datetimeFigureOut">
               <a:rPr lang="en-GB" smtClean="0"/>
-              <a:t>13/10/2020</a:t>
+              <a:t>14/10/2020</a:t>
             </a:fld>
             <a:endParaRPr lang="en-GB"/>
           </a:p>
@@ -2943,7 +2942,7 @@
           <a:p>
             <a:fld id="{DEABCE53-1D99-4BEE-AE28-D2367C4FBEC7}" type="datetimeFigureOut">
               <a:rPr lang="en-GB" smtClean="0"/>
-              <a:t>13/10/2020</a:t>
+              <a:t>14/10/2020</a:t>
             </a:fld>
             <a:endParaRPr lang="en-GB"/>
           </a:p>
@@ -3685,277 +3684,6 @@
         </p:nvSpPr>
         <p:spPr>
           <a:xfrm>
-            <a:off x="0" y="-163190"/>
-            <a:ext cx="12192000" cy="1325563"/>
-          </a:xfrm>
-        </p:spPr>
-        <p:txBody>
-          <a:bodyPr/>
-          <a:lstStyle/>
-          <a:p>
-            <a:pPr algn="ctr"/>
-            <a:r>
-              <a:rPr lang="en-GB" dirty="0">
-                <a:solidFill>
-                  <a:srgbClr val="7030A0"/>
-                </a:solidFill>
-              </a:rPr>
-              <a:t>9) Advanced: Installing software: </a:t>
-            </a:r>
-          </a:p>
-        </p:txBody>
-      </p:sp>
-      <p:sp>
-        <p:nvSpPr>
-          <p:cNvPr id="3" name="Content Placeholder 2">
-            <a:extLst>
-              <a:ext uri="{FF2B5EF4-FFF2-40B4-BE49-F238E27FC236}">
-                <a16:creationId xmlns:a16="http://schemas.microsoft.com/office/drawing/2014/main" id="{18431EE4-9E41-4E32-A234-2EA9829FBD13}"/>
-              </a:ext>
-            </a:extLst>
-          </p:cNvPr>
-          <p:cNvSpPr>
-            <a:spLocks noGrp="1"/>
-          </p:cNvSpPr>
-          <p:nvPr>
-            <p:ph idx="1"/>
-          </p:nvPr>
-        </p:nvSpPr>
-        <p:spPr>
-          <a:xfrm>
-            <a:off x="232475" y="1162373"/>
-            <a:ext cx="11121325" cy="5014590"/>
-          </a:xfrm>
-        </p:spPr>
-        <p:txBody>
-          <a:bodyPr>
-            <a:normAutofit lnSpcReduction="10000"/>
-          </a:bodyPr>
-          <a:lstStyle/>
-          <a:p>
-            <a:r>
-              <a:rPr lang="en-GB" dirty="0"/>
-              <a:t>Please try yourself. This is good for you. </a:t>
-            </a:r>
-          </a:p>
-          <a:p>
-            <a:r>
-              <a:rPr lang="en-GB" dirty="0"/>
-              <a:t>Try </a:t>
-            </a:r>
-            <a:r>
-              <a:rPr lang="en-GB" dirty="0" err="1"/>
-              <a:t>conda</a:t>
-            </a:r>
-            <a:r>
-              <a:rPr lang="en-GB" dirty="0"/>
-              <a:t> first (see earlier slides). </a:t>
-            </a:r>
-          </a:p>
-          <a:p>
-            <a:r>
-              <a:rPr lang="en-GB" dirty="0"/>
-              <a:t>If not on </a:t>
-            </a:r>
-            <a:r>
-              <a:rPr lang="en-GB" dirty="0" err="1"/>
-              <a:t>conda</a:t>
-            </a:r>
-            <a:r>
-              <a:rPr lang="en-GB" dirty="0"/>
-              <a:t>: read their README </a:t>
-            </a:r>
-          </a:p>
-          <a:p>
-            <a:pPr marL="0" indent="0">
-              <a:buNone/>
-            </a:pPr>
-            <a:r>
-              <a:rPr lang="en-GB" dirty="0"/>
-              <a:t>	and follow their instructions.. But …</a:t>
-            </a:r>
-          </a:p>
-          <a:p>
-            <a:r>
-              <a:rPr lang="en-GB" dirty="0"/>
-              <a:t>If you need a newer GCC: </a:t>
-            </a:r>
-          </a:p>
-          <a:p>
-            <a:pPr marL="0" indent="0">
-              <a:buNone/>
-            </a:pPr>
-            <a:r>
-              <a:rPr lang="en-GB" dirty="0"/>
-              <a:t>Type: </a:t>
-            </a:r>
-          </a:p>
-          <a:p>
-            <a:pPr marL="0" indent="0">
-              <a:buNone/>
-            </a:pPr>
-            <a:r>
-              <a:rPr lang="en-GB" dirty="0">
-                <a:solidFill>
-                  <a:srgbClr val="0070C0"/>
-                </a:solidFill>
-              </a:rPr>
-              <a:t>         source /opt/</a:t>
-            </a:r>
-            <a:r>
-              <a:rPr lang="en-GB" dirty="0" err="1">
-                <a:solidFill>
-                  <a:srgbClr val="0070C0"/>
-                </a:solidFill>
-              </a:rPr>
-              <a:t>rh</a:t>
-            </a:r>
-            <a:r>
-              <a:rPr lang="en-GB" dirty="0">
-                <a:solidFill>
-                  <a:srgbClr val="0070C0"/>
-                </a:solidFill>
-              </a:rPr>
-              <a:t>/devtoolset-6/enable</a:t>
-            </a:r>
-          </a:p>
-          <a:p>
-            <a:pPr marL="0" indent="0">
-              <a:buNone/>
-            </a:pPr>
-            <a:endParaRPr lang="en-GB" dirty="0">
-              <a:solidFill>
-                <a:srgbClr val="0070C0"/>
-              </a:solidFill>
-            </a:endParaRPr>
-          </a:p>
-          <a:p>
-            <a:pPr marL="0" indent="0">
-              <a:buNone/>
-            </a:pPr>
-            <a:r>
-              <a:rPr lang="en-GB" dirty="0">
-                <a:solidFill>
-                  <a:srgbClr val="0070C0"/>
-                </a:solidFill>
-              </a:rPr>
-              <a:t>         </a:t>
-            </a:r>
-            <a:r>
-              <a:rPr lang="en-GB" dirty="0" err="1">
-                <a:solidFill>
-                  <a:srgbClr val="0070C0"/>
-                </a:solidFill>
-              </a:rPr>
-              <a:t>gcc</a:t>
-            </a:r>
-            <a:r>
-              <a:rPr lang="en-GB" dirty="0">
-                <a:solidFill>
-                  <a:srgbClr val="0070C0"/>
-                </a:solidFill>
-              </a:rPr>
-              <a:t> -v</a:t>
-            </a:r>
-          </a:p>
-          <a:p>
-            <a:pPr marL="0" indent="0">
-              <a:buNone/>
-            </a:pPr>
-            <a:r>
-              <a:rPr lang="en-GB" dirty="0" err="1"/>
-              <a:t>gcc</a:t>
-            </a:r>
-            <a:r>
-              <a:rPr lang="en-GB" dirty="0"/>
-              <a:t> version 6.3.1 (GCC)</a:t>
-            </a:r>
-          </a:p>
-        </p:txBody>
-      </p:sp>
-      <p:pic>
-        <p:nvPicPr>
-          <p:cNvPr id="4" name="Picture 3">
-            <a:extLst>
-              <a:ext uri="{FF2B5EF4-FFF2-40B4-BE49-F238E27FC236}">
-                <a16:creationId xmlns:a16="http://schemas.microsoft.com/office/drawing/2014/main" id="{70F4B9BA-0B0F-4C11-A2BC-D60E536A397C}"/>
-              </a:ext>
-            </a:extLst>
-          </p:cNvPr>
-          <p:cNvPicPr>
-            <a:picLocks noChangeAspect="1"/>
-          </p:cNvPicPr>
-          <p:nvPr/>
-        </p:nvPicPr>
-        <p:blipFill rotWithShape="1">
-          <a:blip r:embed="rId2">
-            <a:extLst>
-              <a:ext uri="{28A0092B-C50C-407E-A947-70E740481C1C}">
-                <a14:useLocalDpi xmlns:a14="http://schemas.microsoft.com/office/drawing/2010/main" val="0"/>
-              </a:ext>
-            </a:extLst>
-          </a:blip>
-          <a:srcRect/>
-          <a:stretch/>
-        </p:blipFill>
-        <p:spPr>
-          <a:xfrm>
-            <a:off x="6727532" y="1162373"/>
-            <a:ext cx="5231993" cy="4344301"/>
-          </a:xfrm>
-          <a:prstGeom prst="rect">
-            <a:avLst/>
-          </a:prstGeom>
-        </p:spPr>
-      </p:pic>
-    </p:spTree>
-    <p:extLst>
-      <p:ext uri="{BB962C8B-B14F-4D97-AF65-F5344CB8AC3E}">
-        <p14:creationId xmlns:p14="http://schemas.microsoft.com/office/powerpoint/2010/main" val="2415390648"/>
-      </p:ext>
-    </p:extLst>
-  </p:cSld>
-  <p:clrMapOvr>
-    <a:masterClrMapping/>
-  </p:clrMapOvr>
-</p:sld>
-</file>
-
-<file path=ppt/slides/slide11.xml><?xml version="1.0" encoding="utf-8"?>
-<p:sld xmlns:a="http://schemas.openxmlformats.org/drawingml/2006/main" xmlns:r="http://schemas.openxmlformats.org/officeDocument/2006/relationships" xmlns:p="http://schemas.openxmlformats.org/presentationml/2006/main">
-  <p:cSld>
-    <p:spTree>
-      <p:nvGrpSpPr>
-        <p:cNvPr id="1" name=""/>
-        <p:cNvGrpSpPr/>
-        <p:nvPr/>
-      </p:nvGrpSpPr>
-      <p:grpSpPr>
-        <a:xfrm>
-          <a:off x="0" y="0"/>
-          <a:ext cx="0" cy="0"/>
-          <a:chOff x="0" y="0"/>
-          <a:chExt cx="0" cy="0"/>
-        </a:xfrm>
-      </p:grpSpPr>
-      <p:sp>
-        <p:nvSpPr>
-          <p:cNvPr id="2" name="Title 1">
-            <a:extLst>
-              <a:ext uri="{FF2B5EF4-FFF2-40B4-BE49-F238E27FC236}">
-                <a16:creationId xmlns:a16="http://schemas.microsoft.com/office/drawing/2014/main" id="{238F34ED-D75E-49A0-BC63-38C071AA49D3}"/>
-              </a:ext>
-            </a:extLst>
-          </p:cNvPr>
-          <p:cNvSpPr>
-            <a:spLocks noGrp="1"/>
-          </p:cNvSpPr>
-          <p:nvPr>
-            <p:ph type="title"/>
-          </p:nvPr>
-        </p:nvSpPr>
-        <p:spPr>
-          <a:xfrm>
             <a:off x="0" y="18255"/>
             <a:ext cx="11353800" cy="1325563"/>
           </a:xfrm>
@@ -4076,7 +3804,7 @@
 </p:sld>
 </file>
 
-<file path=ppt/slides/slide12.xml><?xml version="1.0" encoding="utf-8"?>
+<file path=ppt/slides/slide11.xml><?xml version="1.0" encoding="utf-8"?>
 <p:sld xmlns:a="http://schemas.openxmlformats.org/drawingml/2006/main" xmlns:r="http://schemas.openxmlformats.org/officeDocument/2006/relationships" xmlns:p="http://schemas.openxmlformats.org/presentationml/2006/main">
   <p:cSld>
     <p:spTree>
@@ -4204,7 +3932,7 @@
 </p:sld>
 </file>
 
-<file path=ppt/slides/slide13.xml><?xml version="1.0" encoding="utf-8"?>
+<file path=ppt/slides/slide12.xml><?xml version="1.0" encoding="utf-8"?>
 <p:sld xmlns:a="http://schemas.openxmlformats.org/drawingml/2006/main" xmlns:r="http://schemas.openxmlformats.org/officeDocument/2006/relationships" xmlns:p="http://schemas.openxmlformats.org/presentationml/2006/main">
   <p:cSld>
     <p:spTree>
@@ -4427,7 +4155,7 @@
 </p:sld>
 </file>
 
-<file path=ppt/slides/slide14.xml><?xml version="1.0" encoding="utf-8"?>
+<file path=ppt/slides/slide13.xml><?xml version="1.0" encoding="utf-8"?>
 <p:sld xmlns:a="http://schemas.openxmlformats.org/drawingml/2006/main" xmlns:r="http://schemas.openxmlformats.org/officeDocument/2006/relationships" xmlns:p="http://schemas.openxmlformats.org/presentationml/2006/main">
   <p:cSld>
     <p:spTree>
@@ -4707,10 +4435,23 @@
             </a:r>
             <a:r>
               <a:rPr lang="en-GB" dirty="0"/>
-              <a:t>. Don’t be scared. </a:t>
-            </a:r>
-            <a:r>
-              <a:rPr lang="en-GB" dirty="0" err="1"/>
+              <a:t>. I decided to make this harder than the genome workshop </a:t>
+            </a:r>
+            <a:r>
+              <a:rPr lang="en-GB" dirty="0">
+                <a:sym typeface="Wingdings" panose="05000000000000000000" pitchFamily="2" charset="2"/>
+              </a:rPr>
+              <a:t></a:t>
+            </a:r>
+            <a:endParaRPr lang="en-GB" dirty="0"/>
+          </a:p>
+          <a:p>
+            <a:r>
+              <a:rPr lang="en-GB" dirty="0"/>
+              <a:t>Don’t be scared. </a:t>
+            </a:r>
+            <a:r>
+              <a:rPr lang="en-GB" b="1" dirty="0" err="1"/>
               <a:t>Pleeeeease</a:t>
             </a:r>
             <a:r>
@@ -4720,42 +4461,6 @@
           </a:p>
         </p:txBody>
       </p:sp>
-      <p:pic>
-        <p:nvPicPr>
-          <p:cNvPr id="6" name="Picture 5" descr="A picture containing indoor, sitting, table&#10;&#10;Description generated with high confidence">
-            <a:extLst>
-              <a:ext uri="{FF2B5EF4-FFF2-40B4-BE49-F238E27FC236}">
-                <a16:creationId xmlns:a16="http://schemas.microsoft.com/office/drawing/2014/main" id="{BEED743F-A2B7-4709-8214-92BD9EF017C7}"/>
-              </a:ext>
-            </a:extLst>
-          </p:cNvPr>
-          <p:cNvPicPr>
-            <a:picLocks noChangeAspect="1"/>
-          </p:cNvPicPr>
-          <p:nvPr/>
-        </p:nvPicPr>
-        <p:blipFill>
-          <a:blip r:embed="rId2">
-            <a:extLst>
-              <a:ext uri="{28A0092B-C50C-407E-A947-70E740481C1C}">
-                <a14:useLocalDpi xmlns:a14="http://schemas.microsoft.com/office/drawing/2010/main" val="0"/>
-              </a:ext>
-            </a:extLst>
-          </a:blip>
-          <a:stretch>
-            <a:fillRect/>
-          </a:stretch>
-        </p:blipFill>
-        <p:spPr>
-          <a:xfrm>
-            <a:off x="3163778" y="4643034"/>
-            <a:ext cx="4773582" cy="1981372"/>
-          </a:xfrm>
-          <a:prstGeom prst="rect">
-            <a:avLst/>
-          </a:prstGeom>
-        </p:spPr>
-      </p:pic>
     </p:spTree>
     <p:extLst>
       <p:ext uri="{BB962C8B-B14F-4D97-AF65-F5344CB8AC3E}">
@@ -4791,7 +4496,7 @@
           <p:cNvPr id="2" name="Title 1">
             <a:extLst>
               <a:ext uri="{FF2B5EF4-FFF2-40B4-BE49-F238E27FC236}">
-                <a16:creationId xmlns:a16="http://schemas.microsoft.com/office/drawing/2014/main" id="{27E04276-614B-4383-AC89-740038B69A0B}"/>
+                <a16:creationId xmlns:a16="http://schemas.microsoft.com/office/drawing/2014/main" id="{8FAA73A9-5457-4E86-B536-7E7EF31C6CE3}"/>
               </a:ext>
             </a:extLst>
           </p:cNvPr>
@@ -4804,23 +4509,69 @@
         </p:nvSpPr>
         <p:spPr>
           <a:xfrm>
-            <a:off x="838200" y="-104775"/>
-            <a:ext cx="10515600" cy="1325563"/>
+            <a:off x="772357" y="365125"/>
+            <a:ext cx="10981677" cy="2147256"/>
           </a:xfrm>
         </p:spPr>
         <p:txBody>
-          <a:bodyPr/>
-          <a:lstStyle/>
-          <a:p>
-            <a:pPr algn="ctr"/>
+          <a:bodyPr>
+            <a:normAutofit/>
+          </a:bodyPr>
+          <a:lstStyle/>
+          <a:p>
             <a:r>
               <a:rPr lang="en-GB" dirty="0">
                 <a:solidFill>
                   <a:srgbClr val="7030A0"/>
                 </a:solidFill>
               </a:rPr>
-              <a:t>1) Cluster overview: Getting help</a:t>
-            </a:r>
+              <a:t>2) Extra </a:t>
+            </a:r>
+            <a:r>
+              <a:rPr lang="en-GB" dirty="0" err="1">
+                <a:solidFill>
+                  <a:srgbClr val="7030A0"/>
+                </a:solidFill>
+              </a:rPr>
+              <a:t>powerpoints</a:t>
+            </a:r>
+            <a:r>
+              <a:rPr lang="en-GB" dirty="0">
+                <a:solidFill>
+                  <a:srgbClr val="7030A0"/>
+                </a:solidFill>
+              </a:rPr>
+              <a:t> as a background</a:t>
+            </a:r>
+            <a:br>
+              <a:rPr lang="en-GB" dirty="0">
+                <a:solidFill>
+                  <a:srgbClr val="7030A0"/>
+                </a:solidFill>
+              </a:rPr>
+            </a:br>
+            <a:r>
+              <a:rPr lang="en-GB" sz="2000" dirty="0">
+                <a:solidFill>
+                  <a:srgbClr val="7030A0"/>
+                </a:solidFill>
+                <a:hlinkClick r:id="rId2"/>
+              </a:rPr>
+              <a:t>https://github.com/peterthorpe5/genome_assembly_workshop/tree/master/powerpoint</a:t>
+            </a:r>
+            <a:r>
+              <a:rPr lang="en-GB" sz="2000" dirty="0">
+                <a:solidFill>
+                  <a:srgbClr val="7030A0"/>
+                </a:solidFill>
+              </a:rPr>
+              <a:t> </a:t>
+            </a:r>
+            <a:endParaRPr lang="en-GB" dirty="0">
+              <a:solidFill>
+                <a:srgbClr val="7030A0"/>
+              </a:solidFill>
+            </a:endParaRPr>
           </a:p>
         </p:txBody>
       </p:sp>
@@ -4829,7 +4580,7 @@
           <p:cNvPr id="3" name="Content Placeholder 2">
             <a:extLst>
               <a:ext uri="{FF2B5EF4-FFF2-40B4-BE49-F238E27FC236}">
-                <a16:creationId xmlns:a16="http://schemas.microsoft.com/office/drawing/2014/main" id="{F7659A24-ABAB-4206-A480-59437D459EF2}"/>
+                <a16:creationId xmlns:a16="http://schemas.microsoft.com/office/drawing/2014/main" id="{00C97936-BC65-49AB-BB23-39CC02ADAD84}"/>
               </a:ext>
             </a:extLst>
           </p:cNvPr>
@@ -4842,8 +4593,8 @@
         </p:nvSpPr>
         <p:spPr>
           <a:xfrm>
-            <a:off x="361949" y="1149350"/>
-            <a:ext cx="11553825" cy="4351338"/>
+            <a:off x="838200" y="2944211"/>
+            <a:ext cx="10515600" cy="4351338"/>
           </a:xfrm>
         </p:spPr>
         <p:txBody>
@@ -4852,76 +4603,94 @@
           <a:p>
             <a:r>
               <a:rPr lang="en-GB" dirty="0"/>
-              <a:t>There is going to be too much in here for you to remember. So you can:</a:t>
-            </a:r>
-          </a:p>
-          <a:p>
+              <a:t>Open this power point (you wont be able to yet!). Learn how to connect to Marvin (</a:t>
+            </a:r>
+            <a:r>
+              <a:rPr lang="en-GB" dirty="0">
+                <a:solidFill>
+                  <a:srgbClr val="FF0000"/>
+                </a:solidFill>
+              </a:rPr>
+              <a:t>2_Getting_connected.pptx</a:t>
+            </a:r>
             <a:r>
               <a:rPr lang="en-GB" dirty="0"/>
-              <a:t>Look back at this presentation</a:t>
+              <a:t>)</a:t>
             </a:r>
           </a:p>
           <a:p>
             <a:r>
               <a:rPr lang="en-GB" dirty="0"/>
-              <a:t>Website: </a:t>
-            </a:r>
-            <a:r>
-              <a:rPr lang="en-GB" u="sng" dirty="0">
-                <a:hlinkClick r:id="rId2"/>
-              </a:rPr>
-              <a:t>http://stab.st-andrews.ac.uk/wiki/index.php/Main_Page</a:t>
+              <a:t>Short practical, basic UNIX commands (</a:t>
+            </a:r>
+            <a:r>
+              <a:rPr lang="en-GB" dirty="0">
+                <a:solidFill>
+                  <a:srgbClr val="FF0000"/>
+                </a:solidFill>
+              </a:rPr>
+              <a:t>3_basic_UNIX.pptx</a:t>
+            </a:r>
+            <a:r>
+              <a:rPr lang="en-GB" dirty="0"/>
+              <a:t>)</a:t>
+            </a:r>
+          </a:p>
+          <a:p>
+            <a:r>
+              <a:rPr lang="en-GB" dirty="0"/>
+              <a:t>Here we learn how to “talk to the computer” (</a:t>
+            </a:r>
+            <a:r>
+              <a:rPr lang="en-GB" dirty="0">
+                <a:solidFill>
+                  <a:srgbClr val="FF0000"/>
+                </a:solidFill>
+              </a:rPr>
+              <a:t>4_Shell_scripting.pptx</a:t>
+            </a:r>
+            <a:r>
+              <a:rPr lang="en-GB" dirty="0"/>
+              <a:t>)</a:t>
+            </a:r>
+          </a:p>
+          <a:p>
+            <a:r>
+              <a:rPr lang="en-GB" dirty="0"/>
+              <a:t>Now we have learnt how to write shell scripts, we can now submit jobs to the cluster via </a:t>
+            </a:r>
+            <a:r>
+              <a:rPr lang="en-GB" dirty="0" err="1"/>
+              <a:t>qsub</a:t>
             </a:r>
             <a:endParaRPr lang="en-GB" dirty="0"/>
           </a:p>
           <a:p>
             <a:r>
               <a:rPr lang="en-GB" dirty="0"/>
-              <a:t>Google is amazing! - I have to look up stuff ALL the time</a:t>
-            </a:r>
-          </a:p>
-        </p:txBody>
-      </p:sp>
-      <p:pic>
-        <p:nvPicPr>
-          <p:cNvPr id="6" name="Picture 5" descr="A picture containing indoor, sitting, table&#10;&#10;Description generated with high confidence">
-            <a:extLst>
-              <a:ext uri="{FF2B5EF4-FFF2-40B4-BE49-F238E27FC236}">
-                <a16:creationId xmlns:a16="http://schemas.microsoft.com/office/drawing/2014/main" id="{BEED743F-A2B7-4709-8214-92BD9EF017C7}"/>
-              </a:ext>
-            </a:extLst>
-          </p:cNvPr>
-          <p:cNvPicPr>
-            <a:picLocks noChangeAspect="1"/>
-          </p:cNvPicPr>
-          <p:nvPr/>
-        </p:nvPicPr>
-        <p:blipFill>
-          <a:blip r:embed="rId3">
-            <a:extLst>
-              <a:ext uri="{28A0092B-C50C-407E-A947-70E740481C1C}">
-                <a14:useLocalDpi xmlns:a14="http://schemas.microsoft.com/office/drawing/2010/main" val="0"/>
-              </a:ext>
-            </a:extLst>
-          </a:blip>
-          <a:stretch>
-            <a:fillRect/>
-          </a:stretch>
-        </p:blipFill>
-        <p:spPr>
-          <a:xfrm>
-            <a:off x="3163778" y="4419514"/>
-            <a:ext cx="4773582" cy="1981372"/>
-          </a:xfrm>
-          <a:prstGeom prst="rect">
-            <a:avLst/>
-          </a:prstGeom>
-        </p:spPr>
-      </p:pic>
+              <a:t>Open </a:t>
+            </a:r>
+            <a:r>
+              <a:rPr lang="en-GB" dirty="0">
+                <a:solidFill>
+                  <a:srgbClr val="FF0000"/>
+                </a:solidFill>
+              </a:rPr>
+              <a:t>5_qsub.pptx</a:t>
+            </a:r>
+          </a:p>
+          <a:p>
+            <a:endParaRPr lang="en-GB" dirty="0"/>
+          </a:p>
+          <a:p>
+            <a:endParaRPr lang="en-GB" dirty="0"/>
+          </a:p>
+        </p:txBody>
+      </p:sp>
     </p:spTree>
     <p:extLst>
       <p:ext uri="{BB962C8B-B14F-4D97-AF65-F5344CB8AC3E}">
-        <p14:creationId xmlns:p14="http://schemas.microsoft.com/office/powerpoint/2010/main" val="1329438512"/>
+        <p14:creationId xmlns:p14="http://schemas.microsoft.com/office/powerpoint/2010/main" val="728570689"/>
       </p:ext>
     </p:extLst>
   </p:cSld>
@@ -4953,7 +4722,7 @@
           <p:cNvPr id="2" name="Title 1">
             <a:extLst>
               <a:ext uri="{FF2B5EF4-FFF2-40B4-BE49-F238E27FC236}">
-                <a16:creationId xmlns:a16="http://schemas.microsoft.com/office/drawing/2014/main" id="{8FAA73A9-5457-4E86-B536-7E7EF31C6CE3}"/>
+                <a16:creationId xmlns:a16="http://schemas.microsoft.com/office/drawing/2014/main" id="{542777C1-7B95-421C-B8A4-C9E15C1294EA}"/>
               </a:ext>
             </a:extLst>
           </p:cNvPr>
@@ -4964,16 +4733,9 @@
             <p:ph type="title"/>
           </p:nvPr>
         </p:nvSpPr>
-        <p:spPr>
-          <a:xfrm>
-            <a:off x="772357" y="365125"/>
-            <a:ext cx="10981677" cy="2147256"/>
-          </a:xfrm>
-        </p:spPr>
-        <p:txBody>
-          <a:bodyPr>
-            <a:normAutofit/>
-          </a:bodyPr>
+        <p:spPr/>
+        <p:txBody>
+          <a:bodyPr/>
           <a:lstStyle/>
           <a:p>
             <a:r>
@@ -4982,53 +4744,8 @@
                   <a:srgbClr val="7030A0"/>
                 </a:solidFill>
               </a:rPr>
-              <a:t>2) Extra </a:t>
-            </a:r>
-            <a:r>
-              <a:rPr lang="en-GB" dirty="0" err="1">
-                <a:solidFill>
-                  <a:srgbClr val="7030A0"/>
-                </a:solidFill>
-              </a:rPr>
-              <a:t>powerpoints</a:t>
-            </a:r>
-            <a:r>
-              <a:rPr lang="en-GB" dirty="0">
-                <a:solidFill>
-                  <a:srgbClr val="7030A0"/>
-                </a:solidFill>
-              </a:rPr>
-              <a:t> as a background</a:t>
-            </a:r>
-            <a:br>
-              <a:rPr lang="en-GB" dirty="0">
-                <a:solidFill>
-                  <a:srgbClr val="7030A0"/>
-                </a:solidFill>
-              </a:rPr>
-            </a:br>
-            <a:r>
-              <a:rPr lang="en-GB" sz="2000" dirty="0">
-                <a:solidFill>
-                  <a:srgbClr val="7030A0"/>
-                </a:solidFill>
-                <a:hlinkClick r:id="rId2"/>
-              </a:rPr>
-              <a:t>https://github.com/peterthorpe5/genome_assembly_workshop/tree/master/powerpoint</a:t>
-            </a:r>
-            <a:r>
-              <a:rPr lang="en-GB" sz="2000" dirty="0">
-                <a:solidFill>
-                  <a:srgbClr val="7030A0"/>
-                </a:solidFill>
-              </a:rPr>
-              <a:t> </a:t>
-            </a:r>
-            <a:endParaRPr lang="en-GB" dirty="0">
-              <a:solidFill>
-                <a:srgbClr val="7030A0"/>
-              </a:solidFill>
-            </a:endParaRPr>
+              <a:t>Moving on to an actual example</a:t>
+            </a:r>
           </a:p>
         </p:txBody>
       </p:sp>
@@ -5037,7 +4754,7 @@
           <p:cNvPr id="3" name="Content Placeholder 2">
             <a:extLst>
               <a:ext uri="{FF2B5EF4-FFF2-40B4-BE49-F238E27FC236}">
-                <a16:creationId xmlns:a16="http://schemas.microsoft.com/office/drawing/2014/main" id="{00C97936-BC65-49AB-BB23-39CC02ADAD84}"/>
+                <a16:creationId xmlns:a16="http://schemas.microsoft.com/office/drawing/2014/main" id="{12BE9CEA-E3C0-4F60-B1CB-2D9D0E2B8A7A}"/>
               </a:ext>
             </a:extLst>
           </p:cNvPr>
@@ -5048,79 +4765,41 @@
             <p:ph idx="1"/>
           </p:nvPr>
         </p:nvSpPr>
-        <p:spPr>
-          <a:xfrm>
-            <a:off x="838200" y="2944211"/>
-            <a:ext cx="10515600" cy="4351338"/>
-          </a:xfrm>
-        </p:spPr>
+        <p:spPr/>
         <p:txBody>
           <a:bodyPr/>
           <a:lstStyle/>
           <a:p>
             <a:r>
               <a:rPr lang="en-GB" dirty="0"/>
-              <a:t>Open this power point (you wont be able to yet!). Learn how to connect to Marvin (</a:t>
-            </a:r>
-            <a:r>
-              <a:rPr lang="en-GB" dirty="0">
-                <a:solidFill>
-                  <a:srgbClr val="FF0000"/>
-                </a:solidFill>
-              </a:rPr>
-              <a:t>2_Getting_connected.pptx</a:t>
-            </a:r>
+              <a:t>I know there was a lot of background … but… </a:t>
+            </a:r>
+          </a:p>
+          <a:p>
             <a:r>
               <a:rPr lang="en-GB" dirty="0"/>
-              <a:t>)</a:t>
+              <a:t>Now we know how to write shell script.</a:t>
             </a:r>
           </a:p>
           <a:p>
             <a:r>
               <a:rPr lang="en-GB" dirty="0"/>
-              <a:t>Short practical, basic UNIX commands (</a:t>
-            </a:r>
-            <a:r>
-              <a:rPr lang="en-GB" dirty="0">
-                <a:solidFill>
-                  <a:srgbClr val="FF0000"/>
-                </a:solidFill>
-              </a:rPr>
-              <a:t>3_basic_UNIX.pptx</a:t>
-            </a:r>
+              <a:t>Lets do a bacterial genomes assembly as an example</a:t>
+            </a:r>
+          </a:p>
+          <a:p>
             <a:r>
               <a:rPr lang="en-GB" dirty="0"/>
-              <a:t>)</a:t>
-            </a:r>
-          </a:p>
-          <a:p>
+              <a:t>We have already looked at </a:t>
+            </a:r>
+            <a:r>
+              <a:rPr lang="en-GB" dirty="0" err="1"/>
+              <a:t>fastqc</a:t>
+            </a:r>
             <a:r>
               <a:rPr lang="en-GB" dirty="0"/>
-              <a:t>Here we learn how to “talk to the computer” (</a:t>
-            </a:r>
-            <a:r>
-              <a:rPr lang="en-GB" dirty="0">
-                <a:solidFill>
-                  <a:srgbClr val="FF0000"/>
-                </a:solidFill>
-              </a:rPr>
-              <a:t>4_Shell_scripting.pptx</a:t>
-            </a:r>
-            <a:r>
-              <a:rPr lang="en-GB" dirty="0"/>
-              <a:t>)</a:t>
-            </a:r>
-          </a:p>
-          <a:p>
-            <a:r>
-              <a:rPr lang="en-GB" dirty="0"/>
-              <a:t>Now we have learnt how to write shell scripts, we can now submit jobs to the cluster via </a:t>
-            </a:r>
-            <a:r>
-              <a:rPr lang="en-GB" dirty="0" err="1"/>
-              <a:t>qsub</a:t>
-            </a:r>
-            <a:endParaRPr lang="en-GB" dirty="0"/>
+              <a:t> to qc our read files.</a:t>
+            </a:r>
           </a:p>
           <a:p>
             <a:r>
@@ -5133,21 +4812,15 @@
                   <a:srgbClr val="FF0000"/>
                 </a:solidFill>
               </a:rPr>
-              <a:t>5_qsub.pptx</a:t>
-            </a:r>
-          </a:p>
-          <a:p>
-            <a:endParaRPr lang="en-GB" dirty="0"/>
-          </a:p>
-          <a:p>
-            <a:endParaRPr lang="en-GB" dirty="0"/>
+              <a:t>6_RNAseq.pptx</a:t>
+            </a:r>
           </a:p>
         </p:txBody>
       </p:sp>
     </p:spTree>
     <p:extLst>
       <p:ext uri="{BB962C8B-B14F-4D97-AF65-F5344CB8AC3E}">
-        <p14:creationId xmlns:p14="http://schemas.microsoft.com/office/powerpoint/2010/main" val="728570689"/>
+        <p14:creationId xmlns:p14="http://schemas.microsoft.com/office/powerpoint/2010/main" val="789431044"/>
       </p:ext>
     </p:extLst>
   </p:cSld>
@@ -5179,136 +4852,6 @@
           <p:cNvPr id="2" name="Title 1">
             <a:extLst>
               <a:ext uri="{FF2B5EF4-FFF2-40B4-BE49-F238E27FC236}">
-                <a16:creationId xmlns:a16="http://schemas.microsoft.com/office/drawing/2014/main" id="{542777C1-7B95-421C-B8A4-C9E15C1294EA}"/>
-              </a:ext>
-            </a:extLst>
-          </p:cNvPr>
-          <p:cNvSpPr>
-            <a:spLocks noGrp="1"/>
-          </p:cNvSpPr>
-          <p:nvPr>
-            <p:ph type="title"/>
-          </p:nvPr>
-        </p:nvSpPr>
-        <p:spPr/>
-        <p:txBody>
-          <a:bodyPr/>
-          <a:lstStyle/>
-          <a:p>
-            <a:r>
-              <a:rPr lang="en-GB" dirty="0">
-                <a:solidFill>
-                  <a:srgbClr val="7030A0"/>
-                </a:solidFill>
-              </a:rPr>
-              <a:t>Moving on to an actual example</a:t>
-            </a:r>
-          </a:p>
-        </p:txBody>
-      </p:sp>
-      <p:sp>
-        <p:nvSpPr>
-          <p:cNvPr id="3" name="Content Placeholder 2">
-            <a:extLst>
-              <a:ext uri="{FF2B5EF4-FFF2-40B4-BE49-F238E27FC236}">
-                <a16:creationId xmlns:a16="http://schemas.microsoft.com/office/drawing/2014/main" id="{12BE9CEA-E3C0-4F60-B1CB-2D9D0E2B8A7A}"/>
-              </a:ext>
-            </a:extLst>
-          </p:cNvPr>
-          <p:cNvSpPr>
-            <a:spLocks noGrp="1"/>
-          </p:cNvSpPr>
-          <p:nvPr>
-            <p:ph idx="1"/>
-          </p:nvPr>
-        </p:nvSpPr>
-        <p:spPr/>
-        <p:txBody>
-          <a:bodyPr/>
-          <a:lstStyle/>
-          <a:p>
-            <a:r>
-              <a:rPr lang="en-GB" dirty="0"/>
-              <a:t>I know there was a lot of background … but… </a:t>
-            </a:r>
-          </a:p>
-          <a:p>
-            <a:r>
-              <a:rPr lang="en-GB" dirty="0"/>
-              <a:t>Now we know how to write shell script.</a:t>
-            </a:r>
-          </a:p>
-          <a:p>
-            <a:r>
-              <a:rPr lang="en-GB" dirty="0"/>
-              <a:t>Lets do a bacterial genomes assembly as an example</a:t>
-            </a:r>
-          </a:p>
-          <a:p>
-            <a:r>
-              <a:rPr lang="en-GB" dirty="0"/>
-              <a:t>We have already looked at </a:t>
-            </a:r>
-            <a:r>
-              <a:rPr lang="en-GB" dirty="0" err="1"/>
-              <a:t>fastqc</a:t>
-            </a:r>
-            <a:r>
-              <a:rPr lang="en-GB" dirty="0"/>
-              <a:t> to qc our read files.</a:t>
-            </a:r>
-          </a:p>
-          <a:p>
-            <a:r>
-              <a:rPr lang="en-GB" dirty="0"/>
-              <a:t>Open </a:t>
-            </a:r>
-            <a:r>
-              <a:rPr lang="en-GB" dirty="0">
-                <a:solidFill>
-                  <a:srgbClr val="FF0000"/>
-                </a:solidFill>
-              </a:rPr>
-              <a:t>6_RNAseq.pptx</a:t>
-            </a:r>
-          </a:p>
-        </p:txBody>
-      </p:sp>
-    </p:spTree>
-    <p:extLst>
-      <p:ext uri="{BB962C8B-B14F-4D97-AF65-F5344CB8AC3E}">
-        <p14:creationId xmlns:p14="http://schemas.microsoft.com/office/powerpoint/2010/main" val="789431044"/>
-      </p:ext>
-    </p:extLst>
-  </p:cSld>
-  <p:clrMapOvr>
-    <a:masterClrMapping/>
-  </p:clrMapOvr>
-</p:sld>
-</file>
-
-<file path=ppt/slides/slide6.xml><?xml version="1.0" encoding="utf-8"?>
-<p:sld xmlns:a="http://schemas.openxmlformats.org/drawingml/2006/main" xmlns:r="http://schemas.openxmlformats.org/officeDocument/2006/relationships" xmlns:p="http://schemas.openxmlformats.org/presentationml/2006/main">
-  <p:cSld>
-    <p:spTree>
-      <p:nvGrpSpPr>
-        <p:cNvPr id="1" name=""/>
-        <p:cNvGrpSpPr/>
-        <p:nvPr/>
-      </p:nvGrpSpPr>
-      <p:grpSpPr>
-        <a:xfrm>
-          <a:off x="0" y="0"/>
-          <a:ext cx="0" cy="0"/>
-          <a:chOff x="0" y="0"/>
-          <a:chExt cx="0" cy="0"/>
-        </a:xfrm>
-      </p:grpSpPr>
-      <p:sp>
-        <p:nvSpPr>
-          <p:cNvPr id="2" name="Title 1">
-            <a:extLst>
-              <a:ext uri="{FF2B5EF4-FFF2-40B4-BE49-F238E27FC236}">
                 <a16:creationId xmlns:a16="http://schemas.microsoft.com/office/drawing/2014/main" id="{4CF6A127-5823-48BA-A536-7CC0BA1662E1}"/>
               </a:ext>
             </a:extLst>
@@ -5579,7 +5122,7 @@
 </p:sld>
 </file>
 
-<file path=ppt/slides/slide7.xml><?xml version="1.0" encoding="utf-8"?>
+<file path=ppt/slides/slide6.xml><?xml version="1.0" encoding="utf-8"?>
 <p:sld xmlns:a="http://schemas.openxmlformats.org/drawingml/2006/main" xmlns:r="http://schemas.openxmlformats.org/officeDocument/2006/relationships" xmlns:p="http://schemas.openxmlformats.org/presentationml/2006/main">
   <p:cSld>
     <p:spTree>
@@ -5834,7 +5377,7 @@
 </p:sld>
 </file>
 
-<file path=ppt/slides/slide8.xml><?xml version="1.0" encoding="utf-8"?>
+<file path=ppt/slides/slide7.xml><?xml version="1.0" encoding="utf-8"?>
 <p:sld xmlns:a="http://schemas.openxmlformats.org/drawingml/2006/main" xmlns:r="http://schemas.openxmlformats.org/officeDocument/2006/relationships" xmlns:p="http://schemas.openxmlformats.org/presentationml/2006/main">
   <p:cSld>
     <p:spTree>
@@ -6151,6 +5694,367 @@
 </p:sld>
 </file>
 
+<file path=ppt/slides/slide8.xml><?xml version="1.0" encoding="utf-8"?>
+<p:sld xmlns:a="http://schemas.openxmlformats.org/drawingml/2006/main" xmlns:r="http://schemas.openxmlformats.org/officeDocument/2006/relationships" xmlns:p="http://schemas.openxmlformats.org/presentationml/2006/main">
+  <p:cSld>
+    <p:spTree>
+      <p:nvGrpSpPr>
+        <p:cNvPr id="1" name=""/>
+        <p:cNvGrpSpPr/>
+        <p:nvPr/>
+      </p:nvGrpSpPr>
+      <p:grpSpPr>
+        <a:xfrm>
+          <a:off x="0" y="0"/>
+          <a:ext cx="0" cy="0"/>
+          <a:chOff x="0" y="0"/>
+          <a:chExt cx="0" cy="0"/>
+        </a:xfrm>
+      </p:grpSpPr>
+      <p:sp>
+        <p:nvSpPr>
+          <p:cNvPr id="2" name="Title 1">
+            <a:extLst>
+              <a:ext uri="{FF2B5EF4-FFF2-40B4-BE49-F238E27FC236}">
+                <a16:creationId xmlns:a16="http://schemas.microsoft.com/office/drawing/2014/main" id="{40F48A92-1D95-4EB9-8683-671B31792834}"/>
+              </a:ext>
+            </a:extLst>
+          </p:cNvPr>
+          <p:cNvSpPr>
+            <a:spLocks noGrp="1"/>
+          </p:cNvSpPr>
+          <p:nvPr>
+            <p:ph type="title"/>
+          </p:nvPr>
+        </p:nvSpPr>
+        <p:spPr>
+          <a:xfrm>
+            <a:off x="838200" y="-206375"/>
+            <a:ext cx="10515600" cy="1325563"/>
+          </a:xfrm>
+        </p:spPr>
+        <p:txBody>
+          <a:bodyPr/>
+          <a:lstStyle/>
+          <a:p>
+            <a:pPr algn="ctr"/>
+            <a:r>
+              <a:rPr lang="en-GB" dirty="0">
+                <a:solidFill>
+                  <a:srgbClr val="7030A0"/>
+                </a:solidFill>
+              </a:rPr>
+              <a:t>9) Advanced: .</a:t>
+            </a:r>
+            <a:r>
+              <a:rPr lang="en-GB" dirty="0" err="1">
+                <a:solidFill>
+                  <a:srgbClr val="7030A0"/>
+                </a:solidFill>
+              </a:rPr>
+              <a:t>bash_profile</a:t>
+            </a:r>
+            <a:endParaRPr lang="en-GB" dirty="0">
+              <a:solidFill>
+                <a:srgbClr val="7030A0"/>
+              </a:solidFill>
+            </a:endParaRPr>
+          </a:p>
+        </p:txBody>
+      </p:sp>
+      <p:sp>
+        <p:nvSpPr>
+          <p:cNvPr id="3" name="Content Placeholder 2">
+            <a:extLst>
+              <a:ext uri="{FF2B5EF4-FFF2-40B4-BE49-F238E27FC236}">
+                <a16:creationId xmlns:a16="http://schemas.microsoft.com/office/drawing/2014/main" id="{E463A3D9-5893-48D9-9587-197FED671999}"/>
+              </a:ext>
+            </a:extLst>
+          </p:cNvPr>
+          <p:cNvSpPr>
+            <a:spLocks noGrp="1"/>
+          </p:cNvSpPr>
+          <p:nvPr>
+            <p:ph idx="1"/>
+          </p:nvPr>
+        </p:nvSpPr>
+        <p:spPr>
+          <a:xfrm>
+            <a:off x="152400" y="827088"/>
+            <a:ext cx="11671300" cy="5789612"/>
+          </a:xfrm>
+        </p:spPr>
+        <p:txBody>
+          <a:bodyPr>
+            <a:normAutofit/>
+          </a:bodyPr>
+          <a:lstStyle/>
+          <a:p>
+            <a:r>
+              <a:rPr lang="en-GB" dirty="0"/>
+              <a:t>This is beyond a beginners course, but just to make you aware of it…</a:t>
+            </a:r>
+          </a:p>
+          <a:p>
+            <a:r>
+              <a:rPr lang="en-GB" dirty="0"/>
+              <a:t>Type:  </a:t>
+            </a:r>
+            <a:r>
+              <a:rPr lang="en-GB" dirty="0">
+                <a:solidFill>
+                  <a:srgbClr val="0070C0"/>
+                </a:solidFill>
+              </a:rPr>
+              <a:t>more ~/.</a:t>
+            </a:r>
+            <a:r>
+              <a:rPr lang="en-GB" dirty="0" err="1">
+                <a:solidFill>
+                  <a:srgbClr val="0070C0"/>
+                </a:solidFill>
+              </a:rPr>
+              <a:t>bash_profile</a:t>
+            </a:r>
+            <a:endParaRPr lang="en-GB" dirty="0">
+              <a:solidFill>
+                <a:srgbClr val="0070C0"/>
+              </a:solidFill>
+            </a:endParaRPr>
+          </a:p>
+          <a:p>
+            <a:r>
+              <a:rPr lang="en-GB" dirty="0"/>
+              <a:t>This is where you can tell the server to </a:t>
+            </a:r>
+          </a:p>
+          <a:p>
+            <a:pPr marL="0" indent="0">
+              <a:buNone/>
+            </a:pPr>
+            <a:r>
+              <a:rPr lang="en-GB" dirty="0"/>
+              <a:t>“look for programs”, set environmental</a:t>
+            </a:r>
+          </a:p>
+          <a:p>
+            <a:pPr marL="0" indent="0">
+              <a:buNone/>
+            </a:pPr>
+            <a:r>
+              <a:rPr lang="en-GB" dirty="0"/>
+              <a:t>variables, and other magic!!</a:t>
+            </a:r>
+          </a:p>
+          <a:p>
+            <a:r>
+              <a:rPr lang="en-GB" dirty="0"/>
+              <a:t>I put the latest BLAST in, with </a:t>
+            </a:r>
+            <a:r>
+              <a:rPr lang="en-GB" dirty="0" err="1"/>
+              <a:t>db</a:t>
+            </a:r>
+            <a:r>
+              <a:rPr lang="en-GB" dirty="0"/>
+              <a:t>:</a:t>
+            </a:r>
+          </a:p>
+          <a:p>
+            <a:pPr marL="0" indent="0">
+              <a:buNone/>
+            </a:pPr>
+            <a:r>
+              <a:rPr lang="en-GB" sz="2000" dirty="0">
+                <a:solidFill>
+                  <a:srgbClr val="FF0000"/>
+                </a:solidFill>
+              </a:rPr>
+              <a:t>export PATH=/shelf/apps/ncbi-blast-2.7.1+/bin/:$PATH</a:t>
+            </a:r>
+          </a:p>
+          <a:p>
+            <a:pPr marL="0" indent="0">
+              <a:buNone/>
+            </a:pPr>
+            <a:r>
+              <a:rPr lang="en-GB" sz="2000" dirty="0"/>
+              <a:t># this is where the </a:t>
+            </a:r>
+            <a:r>
+              <a:rPr lang="en-GB" sz="2000" dirty="0" err="1"/>
+              <a:t>nr</a:t>
+            </a:r>
+            <a:r>
+              <a:rPr lang="en-GB" sz="2000" dirty="0"/>
+              <a:t>, </a:t>
+            </a:r>
+            <a:r>
+              <a:rPr lang="en-GB" sz="2000" dirty="0" err="1"/>
+              <a:t>nt</a:t>
+            </a:r>
+            <a:r>
+              <a:rPr lang="en-GB" sz="2000" dirty="0"/>
+              <a:t>, diamond </a:t>
+            </a:r>
+            <a:r>
+              <a:rPr lang="en-GB" sz="2000" dirty="0" err="1"/>
+              <a:t>db</a:t>
+            </a:r>
+            <a:r>
+              <a:rPr lang="en-GB" sz="2000" dirty="0"/>
+              <a:t> are</a:t>
+            </a:r>
+          </a:p>
+          <a:p>
+            <a:pPr marL="0" indent="0">
+              <a:buNone/>
+            </a:pPr>
+            <a:r>
+              <a:rPr lang="en-GB" sz="2000" dirty="0">
+                <a:solidFill>
+                  <a:srgbClr val="FF0000"/>
+                </a:solidFill>
+              </a:rPr>
+              <a:t>export BLASTDB=/shelf/public/</a:t>
+            </a:r>
+            <a:r>
+              <a:rPr lang="en-GB" sz="2000" dirty="0" err="1">
+                <a:solidFill>
+                  <a:srgbClr val="FF0000"/>
+                </a:solidFill>
+              </a:rPr>
+              <a:t>blastntnr</a:t>
+            </a:r>
+            <a:r>
+              <a:rPr lang="en-GB" sz="2000" dirty="0">
+                <a:solidFill>
+                  <a:srgbClr val="FF0000"/>
+                </a:solidFill>
+              </a:rPr>
+              <a:t>/</a:t>
+            </a:r>
+            <a:r>
+              <a:rPr lang="en-GB" sz="2000" dirty="0" err="1">
+                <a:solidFill>
+                  <a:srgbClr val="FF0000"/>
+                </a:solidFill>
+              </a:rPr>
+              <a:t>blastDatabases</a:t>
+            </a:r>
+            <a:endParaRPr lang="en-GB" sz="2000" dirty="0">
+              <a:solidFill>
+                <a:srgbClr val="FF0000"/>
+              </a:solidFill>
+            </a:endParaRPr>
+          </a:p>
+          <a:p>
+            <a:pPr marL="0" indent="0">
+              <a:buNone/>
+            </a:pPr>
+            <a:endParaRPr lang="en-GB" dirty="0"/>
+          </a:p>
+          <a:p>
+            <a:pPr marL="0" indent="0">
+              <a:buNone/>
+            </a:pPr>
+            <a:endParaRPr lang="en-GB" dirty="0"/>
+          </a:p>
+          <a:p>
+            <a:endParaRPr lang="en-GB" dirty="0"/>
+          </a:p>
+        </p:txBody>
+      </p:sp>
+      <p:pic>
+        <p:nvPicPr>
+          <p:cNvPr id="4" name="Picture 3">
+            <a:extLst>
+              <a:ext uri="{FF2B5EF4-FFF2-40B4-BE49-F238E27FC236}">
+                <a16:creationId xmlns:a16="http://schemas.microsoft.com/office/drawing/2014/main" id="{8E5F8CE5-AA53-4E8A-A9F4-8064AF3A4148}"/>
+              </a:ext>
+            </a:extLst>
+          </p:cNvPr>
+          <p:cNvPicPr>
+            <a:picLocks noChangeAspect="1"/>
+          </p:cNvPicPr>
+          <p:nvPr/>
+        </p:nvPicPr>
+        <p:blipFill rotWithShape="1">
+          <a:blip r:embed="rId2">
+            <a:extLst>
+              <a:ext uri="{28A0092B-C50C-407E-A947-70E740481C1C}">
+                <a14:useLocalDpi xmlns:a14="http://schemas.microsoft.com/office/drawing/2010/main" val="0"/>
+              </a:ext>
+            </a:extLst>
+          </a:blip>
+          <a:srcRect/>
+          <a:stretch/>
+        </p:blipFill>
+        <p:spPr>
+          <a:xfrm>
+            <a:off x="6322774" y="1430031"/>
+            <a:ext cx="8294926" cy="5186669"/>
+          </a:xfrm>
+          <a:prstGeom prst="rect">
+            <a:avLst/>
+          </a:prstGeom>
+        </p:spPr>
+      </p:pic>
+      <p:sp>
+        <p:nvSpPr>
+          <p:cNvPr id="5" name="TextBox 4">
+            <a:extLst>
+              <a:ext uri="{FF2B5EF4-FFF2-40B4-BE49-F238E27FC236}">
+                <a16:creationId xmlns:a16="http://schemas.microsoft.com/office/drawing/2014/main" id="{5005C2C8-5253-4293-8CAD-9EDB25A4B4E6}"/>
+              </a:ext>
+            </a:extLst>
+          </p:cNvPr>
+          <p:cNvSpPr txBox="1"/>
+          <p:nvPr/>
+        </p:nvSpPr>
+        <p:spPr>
+          <a:xfrm>
+            <a:off x="10576392" y="139561"/>
+            <a:ext cx="1663700" cy="523220"/>
+          </a:xfrm>
+          <a:prstGeom prst="rect">
+            <a:avLst/>
+          </a:prstGeom>
+          <a:noFill/>
+        </p:spPr>
+        <p:txBody>
+          <a:bodyPr wrap="square" rtlCol="0">
+            <a:spAutoFit/>
+          </a:bodyPr>
+          <a:lstStyle/>
+          <a:p>
+            <a:r>
+              <a:rPr lang="en-GB" sz="2800" dirty="0">
+                <a:solidFill>
+                  <a:srgbClr val="FF0000"/>
+                </a:solidFill>
+                <a:highlight>
+                  <a:srgbClr val="FFFF00"/>
+                </a:highlight>
+              </a:rPr>
+              <a:t>ACTIVITY</a:t>
+            </a:r>
+          </a:p>
+        </p:txBody>
+      </p:sp>
+    </p:spTree>
+    <p:extLst>
+      <p:ext uri="{BB962C8B-B14F-4D97-AF65-F5344CB8AC3E}">
+        <p14:creationId xmlns:p14="http://schemas.microsoft.com/office/powerpoint/2010/main" val="1379148863"/>
+      </p:ext>
+    </p:extLst>
+  </p:cSld>
+  <p:clrMapOvr>
+    <a:masterClrMapping/>
+  </p:clrMapOvr>
+</p:sld>
+</file>
+
 <file path=ppt/slides/slide9.xml><?xml version="1.0" encoding="utf-8"?>
 <p:sld xmlns:a="http://schemas.openxmlformats.org/drawingml/2006/main" xmlns:r="http://schemas.openxmlformats.org/officeDocument/2006/relationships" xmlns:p="http://schemas.openxmlformats.org/presentationml/2006/main">
   <p:cSld>
@@ -6173,7 +6077,7 @@
           <p:cNvPr id="2" name="Title 1">
             <a:extLst>
               <a:ext uri="{FF2B5EF4-FFF2-40B4-BE49-F238E27FC236}">
-                <a16:creationId xmlns:a16="http://schemas.microsoft.com/office/drawing/2014/main" id="{40F48A92-1D95-4EB9-8683-671B31792834}"/>
+                <a16:creationId xmlns:a16="http://schemas.microsoft.com/office/drawing/2014/main" id="{238F34ED-D75E-49A0-BC63-38C071AA49D3}"/>
               </a:ext>
             </a:extLst>
           </p:cNvPr>
@@ -6186,8 +6090,8 @@
         </p:nvSpPr>
         <p:spPr>
           <a:xfrm>
-            <a:off x="838200" y="-206375"/>
-            <a:ext cx="10515600" cy="1325563"/>
+            <a:off x="0" y="-163190"/>
+            <a:ext cx="12192000" cy="1325563"/>
           </a:xfrm>
         </p:spPr>
         <p:txBody>
@@ -6201,21 +6105,8 @@
                   <a:srgbClr val="7030A0"/>
                 </a:solidFill>
               </a:rPr>
-              <a:t>9) Advanced: .</a:t>
-            </a:r>
-            <a:r>
-              <a:rPr lang="en-GB" dirty="0" err="1">
-                <a:solidFill>
-                  <a:srgbClr val="7030A0"/>
-                </a:solidFill>
-              </a:rPr>
-              <a:t>bash_profile</a:t>
-            </a:r>
-            <a:endParaRPr lang="en-GB" dirty="0">
-              <a:solidFill>
-                <a:srgbClr val="7030A0"/>
-              </a:solidFill>
-            </a:endParaRPr>
+              <a:t>9) Advanced: Installing software: </a:t>
+            </a:r>
           </a:p>
         </p:txBody>
       </p:sp>
@@ -6224,7 +6115,7 @@
           <p:cNvPr id="3" name="Content Placeholder 2">
             <a:extLst>
               <a:ext uri="{FF2B5EF4-FFF2-40B4-BE49-F238E27FC236}">
-                <a16:creationId xmlns:a16="http://schemas.microsoft.com/office/drawing/2014/main" id="{E463A3D9-5893-48D9-9587-197FED671999}"/>
+                <a16:creationId xmlns:a16="http://schemas.microsoft.com/office/drawing/2014/main" id="{18431EE4-9E41-4E32-A234-2EA9829FBD13}"/>
               </a:ext>
             </a:extLst>
           </p:cNvPr>
@@ -6237,33 +6128,84 @@
         </p:nvSpPr>
         <p:spPr>
           <a:xfrm>
-            <a:off x="152400" y="827088"/>
-            <a:ext cx="11671300" cy="5789612"/>
+            <a:off x="232475" y="1162373"/>
+            <a:ext cx="11121325" cy="5014590"/>
           </a:xfrm>
         </p:spPr>
         <p:txBody>
           <a:bodyPr>
-            <a:normAutofit/>
+            <a:normAutofit lnSpcReduction="10000"/>
           </a:bodyPr>
           <a:lstStyle/>
           <a:p>
             <a:r>
               <a:rPr lang="en-GB" dirty="0"/>
-              <a:t>This is beyond a beginners course, but just to make you aware of it…</a:t>
+              <a:t>Please try yourself. This is good for you. </a:t>
             </a:r>
           </a:p>
           <a:p>
             <a:r>
               <a:rPr lang="en-GB" dirty="0"/>
-              <a:t>Type:  </a:t>
-            </a:r>
+              <a:t>Try </a:t>
+            </a:r>
+            <a:r>
+              <a:rPr lang="en-GB" dirty="0" err="1"/>
+              <a:t>conda</a:t>
+            </a:r>
+            <a:r>
+              <a:rPr lang="en-GB" dirty="0"/>
+              <a:t> first (see earlier slides). </a:t>
+            </a:r>
+          </a:p>
+          <a:p>
+            <a:r>
+              <a:rPr lang="en-GB" dirty="0"/>
+              <a:t>If not on </a:t>
+            </a:r>
+            <a:r>
+              <a:rPr lang="en-GB" dirty="0" err="1"/>
+              <a:t>conda</a:t>
+            </a:r>
+            <a:r>
+              <a:rPr lang="en-GB" dirty="0"/>
+              <a:t>: read their README </a:t>
+            </a:r>
+          </a:p>
+          <a:p>
+            <a:pPr marL="0" indent="0">
+              <a:buNone/>
+            </a:pPr>
+            <a:r>
+              <a:rPr lang="en-GB" dirty="0"/>
+              <a:t>	and follow their instructions.. But …</a:t>
+            </a:r>
+          </a:p>
+          <a:p>
+            <a:r>
+              <a:rPr lang="en-GB" dirty="0"/>
+              <a:t>If you need a newer GCC: </a:t>
+            </a:r>
+          </a:p>
+          <a:p>
+            <a:pPr marL="0" indent="0">
+              <a:buNone/>
+            </a:pPr>
+            <a:r>
+              <a:rPr lang="en-GB" dirty="0"/>
+              <a:t>Type: </a:t>
+            </a:r>
+          </a:p>
+          <a:p>
+            <a:pPr marL="0" indent="0">
+              <a:buNone/>
+            </a:pPr>
             <a:r>
               <a:rPr lang="en-GB" dirty="0">
                 <a:solidFill>
                   <a:srgbClr val="0070C0"/>
                 </a:solidFill>
               </a:rPr>
-              <a:t>more ~/.</a:t>
+              <a:t>         source /opt/</a:t>
             </a:r>
             <a:r>
               <a:rPr lang="en-GB" dirty="0" err="1">
@@ -6271,8 +6213,21 @@
                   <a:srgbClr val="0070C0"/>
                 </a:solidFill>
               </a:rPr>
-              <a:t>bash_profile</a:t>
-            </a:r>
+              <a:t>rh</a:t>
+            </a:r>
+            <a:r>
+              <a:rPr lang="en-GB" dirty="0">
+                <a:solidFill>
+                  <a:srgbClr val="0070C0"/>
+                </a:solidFill>
+              </a:rPr>
+              <a:t>/devtoolset-6/enable</a:t>
+            </a:r>
+          </a:p>
+          <a:p>
+            <a:pPr marL="0" indent="0">
+              <a:buNone/>
+            </a:pPr>
             <a:endParaRPr lang="en-GB" dirty="0">
               <a:solidFill>
                 <a:srgbClr val="0070C0"/>
@@ -6280,145 +6235,46 @@
             </a:endParaRPr>
           </a:p>
           <a:p>
+            <a:pPr marL="0" indent="0">
+              <a:buNone/>
+            </a:pPr>
+            <a:r>
+              <a:rPr lang="en-GB" dirty="0">
+                <a:solidFill>
+                  <a:srgbClr val="0070C0"/>
+                </a:solidFill>
+              </a:rPr>
+              <a:t>         </a:t>
+            </a:r>
+            <a:r>
+              <a:rPr lang="en-GB" dirty="0" err="1">
+                <a:solidFill>
+                  <a:srgbClr val="0070C0"/>
+                </a:solidFill>
+              </a:rPr>
+              <a:t>gcc</a:t>
+            </a:r>
+            <a:r>
+              <a:rPr lang="en-GB" dirty="0">
+                <a:solidFill>
+                  <a:srgbClr val="0070C0"/>
+                </a:solidFill>
+              </a:rPr>
+              <a:t> -v</a:t>
+            </a:r>
+          </a:p>
+          <a:p>
+            <a:pPr marL="0" indent="0">
+              <a:buNone/>
+            </a:pPr>
+            <a:r>
+              <a:rPr lang="en-GB" dirty="0" err="1"/>
+              <a:t>gcc</a:t>
+            </a:r>
             <a:r>
               <a:rPr lang="en-GB" dirty="0"/>
-              <a:t>This is where you can tell the server to </a:t>
-            </a:r>
-          </a:p>
-          <a:p>
-            <a:pPr marL="0" indent="0">
-              <a:buNone/>
-            </a:pPr>
-            <a:r>
-              <a:rPr lang="en-GB" dirty="0"/>
-              <a:t>“look for programs”, set environmental</a:t>
-            </a:r>
-          </a:p>
-          <a:p>
-            <a:pPr marL="0" indent="0">
-              <a:buNone/>
-            </a:pPr>
-            <a:r>
-              <a:rPr lang="en-GB" dirty="0"/>
-              <a:t>variables, and other magic!!</a:t>
-            </a:r>
-          </a:p>
-          <a:p>
-            <a:r>
-              <a:rPr lang="en-GB" dirty="0"/>
-              <a:t>I put the latest BLAST in, with </a:t>
-            </a:r>
-            <a:r>
-              <a:rPr lang="en-GB" dirty="0" err="1"/>
-              <a:t>db</a:t>
-            </a:r>
-            <a:r>
-              <a:rPr lang="en-GB" dirty="0"/>
-              <a:t>:</a:t>
-            </a:r>
-          </a:p>
-          <a:p>
-            <a:pPr marL="0" indent="0">
-              <a:buNone/>
-            </a:pPr>
-            <a:r>
-              <a:rPr lang="en-GB" sz="2000" dirty="0">
-                <a:solidFill>
-                  <a:srgbClr val="FF0000"/>
-                </a:solidFill>
-              </a:rPr>
-              <a:t>export PATH=/shelf/apps/ncbi-blast-2.7.1+/bin/:$PATH</a:t>
-            </a:r>
-          </a:p>
-          <a:p>
-            <a:pPr marL="0" indent="0">
-              <a:buNone/>
-            </a:pPr>
-            <a:r>
-              <a:rPr lang="en-GB" sz="2000" dirty="0"/>
-              <a:t># this is where the </a:t>
-            </a:r>
-            <a:r>
-              <a:rPr lang="en-GB" sz="2000" dirty="0" err="1"/>
-              <a:t>nr</a:t>
-            </a:r>
-            <a:r>
-              <a:rPr lang="en-GB" sz="2000" dirty="0"/>
-              <a:t>, </a:t>
-            </a:r>
-            <a:r>
-              <a:rPr lang="en-GB" sz="2000" dirty="0" err="1"/>
-              <a:t>nt</a:t>
-            </a:r>
-            <a:r>
-              <a:rPr lang="en-GB" sz="2000" dirty="0"/>
-              <a:t>, diamond </a:t>
-            </a:r>
-            <a:r>
-              <a:rPr lang="en-GB" sz="2000" dirty="0" err="1"/>
-              <a:t>db</a:t>
-            </a:r>
-            <a:r>
-              <a:rPr lang="en-GB" sz="2000" dirty="0"/>
-              <a:t> are</a:t>
-            </a:r>
-          </a:p>
-          <a:p>
-            <a:pPr marL="0" indent="0">
-              <a:buNone/>
-            </a:pPr>
-            <a:r>
-              <a:rPr lang="en-GB" sz="2000" dirty="0">
-                <a:solidFill>
-                  <a:srgbClr val="FF0000"/>
-                </a:solidFill>
-              </a:rPr>
-              <a:t>export BLASTDB=/shelf/public/</a:t>
-            </a:r>
-            <a:r>
-              <a:rPr lang="en-GB" sz="2000" dirty="0" err="1">
-                <a:solidFill>
-                  <a:srgbClr val="FF0000"/>
-                </a:solidFill>
-              </a:rPr>
-              <a:t>blastntnr</a:t>
-            </a:r>
-            <a:r>
-              <a:rPr lang="en-GB" sz="2000" dirty="0">
-                <a:solidFill>
-                  <a:srgbClr val="FF0000"/>
-                </a:solidFill>
-              </a:rPr>
-              <a:t>/</a:t>
-            </a:r>
-            <a:r>
-              <a:rPr lang="en-GB" sz="2000" dirty="0" err="1">
-                <a:solidFill>
-                  <a:srgbClr val="FF0000"/>
-                </a:solidFill>
-              </a:rPr>
-              <a:t>blastDatabases</a:t>
-            </a:r>
-            <a:endParaRPr lang="en-GB" sz="2000" dirty="0">
-              <a:solidFill>
-                <a:srgbClr val="FF0000"/>
-              </a:solidFill>
-            </a:endParaRPr>
-          </a:p>
-          <a:p>
-            <a:pPr marL="0" indent="0">
-              <a:buNone/>
-            </a:pPr>
-            <a:endParaRPr lang="en-GB" dirty="0"/>
-          </a:p>
-          <a:p>
-            <a:pPr marL="0" indent="0">
-              <a:buNone/>
-            </a:pPr>
-            <a:endParaRPr lang="en-GB" dirty="0"/>
-          </a:p>
-          <a:p>
-            <a:endParaRPr lang="en-GB" dirty="0"/>
+              <a:t> version 6.3.1 (GCC)</a:t>
+            </a:r>
           </a:p>
         </p:txBody>
       </p:sp>
@@ -6427,7 +6283,7 @@
           <p:cNvPr id="4" name="Picture 3">
             <a:extLst>
               <a:ext uri="{FF2B5EF4-FFF2-40B4-BE49-F238E27FC236}">
-                <a16:creationId xmlns:a16="http://schemas.microsoft.com/office/drawing/2014/main" id="{8E5F8CE5-AA53-4E8A-A9F4-8064AF3A4148}"/>
+                <a16:creationId xmlns:a16="http://schemas.microsoft.com/office/drawing/2014/main" id="{70F4B9BA-0B0F-4C11-A2BC-D60E536A397C}"/>
               </a:ext>
             </a:extLst>
           </p:cNvPr>
@@ -6449,60 +6305,18 @@
         </p:blipFill>
         <p:spPr>
           <a:xfrm>
-            <a:off x="6322774" y="1430031"/>
-            <a:ext cx="8294926" cy="5186669"/>
+            <a:off x="6727532" y="1162373"/>
+            <a:ext cx="5231993" cy="4344301"/>
           </a:xfrm>
           <a:prstGeom prst="rect">
             <a:avLst/>
           </a:prstGeom>
         </p:spPr>
       </p:pic>
-      <p:sp>
-        <p:nvSpPr>
-          <p:cNvPr id="5" name="TextBox 4">
-            <a:extLst>
-              <a:ext uri="{FF2B5EF4-FFF2-40B4-BE49-F238E27FC236}">
-                <a16:creationId xmlns:a16="http://schemas.microsoft.com/office/drawing/2014/main" id="{5005C2C8-5253-4293-8CAD-9EDB25A4B4E6}"/>
-              </a:ext>
-            </a:extLst>
-          </p:cNvPr>
-          <p:cNvSpPr txBox="1"/>
-          <p:nvPr/>
-        </p:nvSpPr>
-        <p:spPr>
-          <a:xfrm>
-            <a:off x="10576392" y="139561"/>
-            <a:ext cx="1663700" cy="523220"/>
-          </a:xfrm>
-          <a:prstGeom prst="rect">
-            <a:avLst/>
-          </a:prstGeom>
-          <a:noFill/>
-        </p:spPr>
-        <p:txBody>
-          <a:bodyPr wrap="square" rtlCol="0">
-            <a:spAutoFit/>
-          </a:bodyPr>
-          <a:lstStyle/>
-          <a:p>
-            <a:r>
-              <a:rPr lang="en-GB" sz="2800" dirty="0">
-                <a:solidFill>
-                  <a:srgbClr val="FF0000"/>
-                </a:solidFill>
-                <a:highlight>
-                  <a:srgbClr val="FFFF00"/>
-                </a:highlight>
-              </a:rPr>
-              <a:t>ACTIVITY</a:t>
-            </a:r>
-          </a:p>
-        </p:txBody>
-      </p:sp>
     </p:spTree>
     <p:extLst>
       <p:ext uri="{BB962C8B-B14F-4D97-AF65-F5344CB8AC3E}">
-        <p14:creationId xmlns:p14="http://schemas.microsoft.com/office/powerpoint/2010/main" val="1379148863"/>
+        <p14:creationId xmlns:p14="http://schemas.microsoft.com/office/powerpoint/2010/main" val="2415390648"/>
       </p:ext>
     </p:extLst>
   </p:cSld>
